--- a/pond-calc_reactivity_map.pptx
+++ b/pond-calc_reactivity_map.pptx
@@ -5,8 +5,9 @@
     <p:sldMasterId id="2147483660" r:id="rId1"/>
   </p:sldMasterIdLst>
   <p:sldIdLst>
-    <p:sldId id="257" r:id="rId2"/>
+    <p:sldId id="258" r:id="rId2"/>
     <p:sldId id="256" r:id="rId3"/>
+    <p:sldId id="257" r:id="rId4"/>
   </p:sldIdLst>
   <p:sldSz cx="9144000" cy="6858000" type="screen4x3"/>
   <p:notesSz cx="6858000" cy="9144000"/>
@@ -255,7 +256,7 @@
           <a:p>
             <a:fld id="{23284B2A-B8AF-4509-8E53-E2833BA92746}" type="datetimeFigureOut">
               <a:rPr lang="en-US" smtClean="0"/>
-              <a:t>9/10/2018</a:t>
+              <a:t>7/27/2019</a:t>
             </a:fld>
             <a:endParaRPr lang="en-US"/>
           </a:p>
@@ -425,7 +426,7 @@
           <a:p>
             <a:fld id="{23284B2A-B8AF-4509-8E53-E2833BA92746}" type="datetimeFigureOut">
               <a:rPr lang="en-US" smtClean="0"/>
-              <a:t>9/10/2018</a:t>
+              <a:t>7/27/2019</a:t>
             </a:fld>
             <a:endParaRPr lang="en-US"/>
           </a:p>
@@ -605,7 +606,7 @@
           <a:p>
             <a:fld id="{23284B2A-B8AF-4509-8E53-E2833BA92746}" type="datetimeFigureOut">
               <a:rPr lang="en-US" smtClean="0"/>
-              <a:t>9/10/2018</a:t>
+              <a:t>7/27/2019</a:t>
             </a:fld>
             <a:endParaRPr lang="en-US"/>
           </a:p>
@@ -775,7 +776,7 @@
           <a:p>
             <a:fld id="{23284B2A-B8AF-4509-8E53-E2833BA92746}" type="datetimeFigureOut">
               <a:rPr lang="en-US" smtClean="0"/>
-              <a:t>9/10/2018</a:t>
+              <a:t>7/27/2019</a:t>
             </a:fld>
             <a:endParaRPr lang="en-US"/>
           </a:p>
@@ -1019,7 +1020,7 @@
           <a:p>
             <a:fld id="{23284B2A-B8AF-4509-8E53-E2833BA92746}" type="datetimeFigureOut">
               <a:rPr lang="en-US" smtClean="0"/>
-              <a:t>9/10/2018</a:t>
+              <a:t>7/27/2019</a:t>
             </a:fld>
             <a:endParaRPr lang="en-US"/>
           </a:p>
@@ -1251,7 +1252,7 @@
           <a:p>
             <a:fld id="{23284B2A-B8AF-4509-8E53-E2833BA92746}" type="datetimeFigureOut">
               <a:rPr lang="en-US" smtClean="0"/>
-              <a:t>9/10/2018</a:t>
+              <a:t>7/27/2019</a:t>
             </a:fld>
             <a:endParaRPr lang="en-US"/>
           </a:p>
@@ -1618,7 +1619,7 @@
           <a:p>
             <a:fld id="{23284B2A-B8AF-4509-8E53-E2833BA92746}" type="datetimeFigureOut">
               <a:rPr lang="en-US" smtClean="0"/>
-              <a:t>9/10/2018</a:t>
+              <a:t>7/27/2019</a:t>
             </a:fld>
             <a:endParaRPr lang="en-US"/>
           </a:p>
@@ -1736,7 +1737,7 @@
           <a:p>
             <a:fld id="{23284B2A-B8AF-4509-8E53-E2833BA92746}" type="datetimeFigureOut">
               <a:rPr lang="en-US" smtClean="0"/>
-              <a:t>9/10/2018</a:t>
+              <a:t>7/27/2019</a:t>
             </a:fld>
             <a:endParaRPr lang="en-US"/>
           </a:p>
@@ -1831,7 +1832,7 @@
           <a:p>
             <a:fld id="{23284B2A-B8AF-4509-8E53-E2833BA92746}" type="datetimeFigureOut">
               <a:rPr lang="en-US" smtClean="0"/>
-              <a:t>9/10/2018</a:t>
+              <a:t>7/27/2019</a:t>
             </a:fld>
             <a:endParaRPr lang="en-US"/>
           </a:p>
@@ -2108,7 +2109,7 @@
           <a:p>
             <a:fld id="{23284B2A-B8AF-4509-8E53-E2833BA92746}" type="datetimeFigureOut">
               <a:rPr lang="en-US" smtClean="0"/>
-              <a:t>9/10/2018</a:t>
+              <a:t>7/27/2019</a:t>
             </a:fld>
             <a:endParaRPr lang="en-US"/>
           </a:p>
@@ -2365,7 +2366,7 @@
           <a:p>
             <a:fld id="{23284B2A-B8AF-4509-8E53-E2833BA92746}" type="datetimeFigureOut">
               <a:rPr lang="en-US" smtClean="0"/>
-              <a:t>9/10/2018</a:t>
+              <a:t>7/27/2019</a:t>
             </a:fld>
             <a:endParaRPr lang="en-US"/>
           </a:p>
@@ -2578,7 +2579,7 @@
           <a:p>
             <a:fld id="{23284B2A-B8AF-4509-8E53-E2833BA92746}" type="datetimeFigureOut">
               <a:rPr lang="en-US" smtClean="0"/>
-              <a:t>9/10/2018</a:t>
+              <a:t>7/27/2019</a:t>
             </a:fld>
             <a:endParaRPr lang="en-US"/>
           </a:p>
@@ -2991,8 +2992,8 @@
         </p:nvSpPr>
         <p:spPr>
           <a:xfrm>
-            <a:off x="772168" y="684937"/>
-            <a:ext cx="1177245" cy="523220"/>
+            <a:off x="218982" y="1529666"/>
+            <a:ext cx="1204817" cy="523220"/>
           </a:xfrm>
           <a:prstGeom prst="rect">
             <a:avLst/>
@@ -3013,7 +3014,7 @@
                 <a:latin typeface="Cambria" panose="02040503050406030204" pitchFamily="18" charset="0"/>
                 <a:ea typeface="Cambria" panose="02040503050406030204" pitchFamily="18" charset="0"/>
               </a:rPr>
-              <a:t>excelupload</a:t>
+              <a:t>ExcelUpload</a:t>
             </a:r>
             <a:endParaRPr lang="en-US" sz="1400" b="1" dirty="0">
               <a:solidFill>
@@ -3047,8 +3048,8 @@
         </p:nvCxnSpPr>
         <p:spPr>
           <a:xfrm>
-            <a:off x="1949413" y="946547"/>
-            <a:ext cx="1332903" cy="572114"/>
+            <a:off x="1423799" y="1791276"/>
+            <a:ext cx="663171" cy="291385"/>
           </a:xfrm>
           <a:prstGeom prst="straightConnector1">
             <a:avLst/>
@@ -3075,13 +3076,16 @@
       <p:cxnSp>
         <p:nvCxnSpPr>
           <p:cNvPr id="52" name="Straight Arrow Connector 51"/>
-          <p:cNvCxnSpPr/>
+          <p:cNvCxnSpPr>
+            <a:stCxn id="55" idx="3"/>
+            <a:endCxn id="36" idx="1"/>
+          </p:cNvCxnSpPr>
           <p:nvPr/>
         </p:nvCxnSpPr>
         <p:spPr>
           <a:xfrm flipV="1">
-            <a:off x="7305235" y="2149263"/>
-            <a:ext cx="147430" cy="461373"/>
+            <a:off x="7129285" y="2656576"/>
+            <a:ext cx="199114" cy="5067"/>
           </a:xfrm>
           <a:prstGeom prst="straightConnector1">
             <a:avLst/>
@@ -3113,7 +3117,7 @@
         </p:nvCxnSpPr>
         <p:spPr>
           <a:xfrm>
-            <a:off x="16123113" y="5776601"/>
+            <a:off x="16123113" y="6654907"/>
             <a:ext cx="721315" cy="35758"/>
           </a:xfrm>
           <a:prstGeom prst="straightConnector1">
@@ -3146,7 +3150,7 @@
         </p:nvSpPr>
         <p:spPr>
           <a:xfrm>
-            <a:off x="736293" y="1762161"/>
+            <a:off x="208362" y="3777095"/>
             <a:ext cx="1242648" cy="523220"/>
           </a:xfrm>
           <a:prstGeom prst="rect">
@@ -3207,7 +3211,7 @@
         </p:nvSpPr>
         <p:spPr>
           <a:xfrm>
-            <a:off x="772168" y="2629733"/>
+            <a:off x="214452" y="2512314"/>
             <a:ext cx="1242648" cy="523220"/>
           </a:xfrm>
           <a:prstGeom prst="rect">
@@ -3268,7 +3272,7 @@
         </p:nvSpPr>
         <p:spPr>
           <a:xfrm>
-            <a:off x="772168" y="3479195"/>
+            <a:off x="218982" y="3110469"/>
             <a:ext cx="1170898" cy="523220"/>
           </a:xfrm>
           <a:prstGeom prst="rect">
@@ -3283,14 +3287,14 @@
           <a:lstStyle/>
           <a:p>
             <a:r>
-              <a:rPr lang="en-US" sz="1400" b="1" dirty="0" smtClean="0">
+              <a:rPr lang="en-US" sz="1400" b="1" dirty="0" err="1" smtClean="0">
                 <a:solidFill>
                   <a:srgbClr val="C00000"/>
                 </a:solidFill>
                 <a:latin typeface="Cambria" panose="02040503050406030204" pitchFamily="18" charset="0"/>
                 <a:ea typeface="Cambria" panose="02040503050406030204" pitchFamily="18" charset="0"/>
               </a:rPr>
-              <a:t>update</a:t>
+              <a:t>addrow</a:t>
             </a:r>
             <a:endParaRPr lang="en-US" sz="1400" b="1" dirty="0" smtClean="0">
               <a:solidFill>
@@ -3323,14 +3327,14 @@
       </p:sp>
       <p:sp>
         <p:nvSpPr>
-          <p:cNvPr id="32" name="Rectangle 31"/>
+          <p:cNvPr id="33" name="Rectangle 32"/>
           <p:cNvSpPr/>
           <p:nvPr/>
         </p:nvSpPr>
         <p:spPr>
           <a:xfrm>
-            <a:off x="625865" y="6080343"/>
-            <a:ext cx="1242648" cy="523220"/>
+            <a:off x="208362" y="5745011"/>
+            <a:ext cx="1273618" cy="523220"/>
           </a:xfrm>
           <a:prstGeom prst="rect">
             <a:avLst/>
@@ -3344,75 +3348,14 @@
           <a:lstStyle/>
           <a:p>
             <a:r>
-              <a:rPr lang="en-US" sz="1400" b="1" dirty="0" smtClean="0">
+              <a:rPr lang="en-US" sz="1400" b="1" dirty="0" err="1">
                 <a:solidFill>
                   <a:srgbClr val="C00000"/>
                 </a:solidFill>
                 <a:latin typeface="Cambria" panose="02040503050406030204" pitchFamily="18" charset="0"/>
                 <a:ea typeface="Cambria" panose="02040503050406030204" pitchFamily="18" charset="0"/>
               </a:rPr>
-              <a:t>text1</a:t>
-            </a:r>
-            <a:endParaRPr lang="en-US" sz="1400" b="1" dirty="0">
-              <a:solidFill>
-                <a:srgbClr val="C00000"/>
-              </a:solidFill>
-              <a:latin typeface="Cambria" panose="02040503050406030204" pitchFamily="18" charset="0"/>
-              <a:ea typeface="Cambria" panose="02040503050406030204" pitchFamily="18" charset="0"/>
-            </a:endParaRPr>
-          </a:p>
-          <a:p>
-            <a:r>
-              <a:rPr lang="en-US" sz="1400" dirty="0" err="1">
-                <a:solidFill>
-                  <a:srgbClr val="C00000"/>
-                </a:solidFill>
-                <a:latin typeface="Cambria" panose="02040503050406030204" pitchFamily="18" charset="0"/>
-                <a:ea typeface="Cambria" panose="02040503050406030204" pitchFamily="18" charset="0"/>
-              </a:rPr>
-              <a:t>numericInput</a:t>
-            </a:r>
-            <a:endParaRPr lang="en-US" sz="1400" dirty="0">
-              <a:solidFill>
-                <a:srgbClr val="C00000"/>
-              </a:solidFill>
-              <a:latin typeface="Cambria" panose="02040503050406030204" pitchFamily="18" charset="0"/>
-              <a:ea typeface="Cambria" panose="02040503050406030204" pitchFamily="18" charset="0"/>
-            </a:endParaRPr>
-          </a:p>
-        </p:txBody>
-      </p:sp>
-      <p:sp>
-        <p:nvSpPr>
-          <p:cNvPr id="33" name="Rectangle 32"/>
-          <p:cNvSpPr/>
-          <p:nvPr/>
-        </p:nvSpPr>
-        <p:spPr>
-          <a:xfrm>
-            <a:off x="612392" y="5383052"/>
-            <a:ext cx="1170898" cy="523220"/>
-          </a:xfrm>
-          <a:prstGeom prst="rect">
-            <a:avLst/>
-          </a:prstGeom>
-          <a:noFill/>
-        </p:spPr>
-        <p:txBody>
-          <a:bodyPr wrap="none" rtlCol="0">
-            <a:spAutoFit/>
-          </a:bodyPr>
-          <a:lstStyle/>
-          <a:p>
-            <a:r>
-              <a:rPr lang="en-US" sz="1400" b="1" dirty="0">
-                <a:solidFill>
-                  <a:srgbClr val="C00000"/>
-                </a:solidFill>
-                <a:latin typeface="Cambria" panose="02040503050406030204" pitchFamily="18" charset="0"/>
-                <a:ea typeface="Cambria" panose="02040503050406030204" pitchFamily="18" charset="0"/>
-              </a:rPr>
-              <a:t>calculate</a:t>
+              <a:t>calc_total_vol</a:t>
             </a:r>
             <a:endParaRPr lang="en-US" sz="1400" b="1" dirty="0" smtClean="0">
               <a:solidFill>
@@ -3451,7 +3394,7 @@
         </p:nvSpPr>
         <p:spPr>
           <a:xfrm>
-            <a:off x="7397112" y="1569899"/>
+            <a:off x="7328399" y="2394966"/>
             <a:ext cx="1746888" cy="523220"/>
           </a:xfrm>
           <a:prstGeom prst="rect">
@@ -3522,8 +3465,8 @@
         </p:nvSpPr>
         <p:spPr>
           <a:xfrm>
-            <a:off x="7452665" y="4767289"/>
-            <a:ext cx="1318438" cy="523220"/>
+            <a:off x="7425305" y="3266599"/>
+            <a:ext cx="1744132" cy="523220"/>
           </a:xfrm>
           <a:prstGeom prst="rect">
             <a:avLst/>
@@ -3544,7 +3487,7 @@
                 <a:latin typeface="Cambria" panose="02040503050406030204" pitchFamily="18" charset="0"/>
                 <a:ea typeface="Cambria" panose="02040503050406030204" pitchFamily="18" charset="0"/>
               </a:rPr>
-              <a:t>PondDiagram</a:t>
+              <a:t>depth_volume_plot</a:t>
             </a:r>
             <a:r>
               <a:rPr lang="en-US" sz="1400" b="1" dirty="0" smtClean="0">
@@ -3566,14 +3509,14 @@
               </a:rPr>
             </a:br>
             <a:r>
-              <a:rPr lang="en-US" sz="1400" i="1" dirty="0" err="1">
+              <a:rPr lang="en-US" sz="1400" i="1" dirty="0" err="1" smtClean="0">
                 <a:solidFill>
                   <a:srgbClr val="7030A0"/>
                 </a:solidFill>
                 <a:latin typeface="Cambria" panose="02040503050406030204" pitchFamily="18" charset="0"/>
                 <a:ea typeface="Cambria" panose="02040503050406030204" pitchFamily="18" charset="0"/>
               </a:rPr>
-              <a:t>plotOutput</a:t>
+              <a:t>plotlyOutput</a:t>
             </a:r>
             <a:endParaRPr lang="en-US" sz="1400" i="1" dirty="0">
               <a:solidFill>
@@ -3593,7 +3536,7 @@
         </p:nvSpPr>
         <p:spPr>
           <a:xfrm>
-            <a:off x="625865" y="4450656"/>
+            <a:off x="231696" y="4604428"/>
             <a:ext cx="1170898" cy="523220"/>
           </a:xfrm>
           <a:prstGeom prst="rect">
@@ -3615,7 +3558,7 @@
                 <a:latin typeface="Cambria" panose="02040503050406030204" pitchFamily="18" charset="0"/>
                 <a:ea typeface="Cambria" panose="02040503050406030204" pitchFamily="18" charset="0"/>
               </a:rPr>
-              <a:t>deleteRows</a:t>
+              <a:t>DeleteRows</a:t>
             </a:r>
             <a:endParaRPr lang="en-US" sz="1400" b="1" dirty="0" smtClean="0">
               <a:solidFill>
@@ -3654,8 +3597,8 @@
         </p:nvSpPr>
         <p:spPr>
           <a:xfrm>
-            <a:off x="3869762" y="3303275"/>
-            <a:ext cx="2059666" cy="523220"/>
+            <a:off x="3794689" y="3110469"/>
+            <a:ext cx="1348446" cy="523220"/>
           </a:xfrm>
           <a:prstGeom prst="rect">
             <a:avLst/>
@@ -3676,7 +3619,7 @@
                 <a:latin typeface="Cambria" panose="02040503050406030204" pitchFamily="18" charset="0"/>
                 <a:ea typeface="Cambria" panose="02040503050406030204" pitchFamily="18" charset="0"/>
               </a:rPr>
-              <a:t>values$df</a:t>
+              <a:t>pond_data$df</a:t>
             </a:r>
             <a:r>
               <a:rPr lang="en-US" sz="1400" b="1" dirty="0" smtClean="0">
@@ -3686,17 +3629,17 @@
                 <a:latin typeface="Cambria" panose="02040503050406030204" pitchFamily="18" charset="0"/>
                 <a:ea typeface="Cambria" panose="02040503050406030204" pitchFamily="18" charset="0"/>
               </a:rPr>
-              <a:t> (data frame)</a:t>
-            </a:r>
-            <a:endParaRPr lang="en-US" sz="1400" i="1" dirty="0" smtClean="0">
-              <a:solidFill>
-                <a:srgbClr val="0070C0"/>
-              </a:solidFill>
-              <a:latin typeface="Cambria" panose="02040503050406030204" pitchFamily="18" charset="0"/>
-              <a:ea typeface="Cambria" panose="02040503050406030204" pitchFamily="18" charset="0"/>
-            </a:endParaRPr>
-          </a:p>
-          <a:p>
+              <a:t> </a:t>
+            </a:r>
+            <a:br>
+              <a:rPr lang="en-US" sz="1400" b="1" dirty="0" smtClean="0">
+                <a:solidFill>
+                  <a:srgbClr val="0070C0"/>
+                </a:solidFill>
+                <a:latin typeface="Cambria" panose="02040503050406030204" pitchFamily="18" charset="0"/>
+                <a:ea typeface="Cambria" panose="02040503050406030204" pitchFamily="18" charset="0"/>
+              </a:rPr>
+            </a:br>
             <a:r>
               <a:rPr lang="en-US" sz="1400" i="1" dirty="0" err="1" smtClean="0">
                 <a:solidFill>
@@ -3719,14 +3662,14 @@
       </p:sp>
       <p:sp>
         <p:nvSpPr>
-          <p:cNvPr id="41" name="Rectangle 40"/>
+          <p:cNvPr id="43" name="Rectangle 42"/>
           <p:cNvSpPr/>
           <p:nvPr/>
         </p:nvSpPr>
         <p:spPr>
           <a:xfrm>
-            <a:off x="4543554" y="603189"/>
-            <a:ext cx="1879489" cy="738664"/>
+            <a:off x="1944503" y="4700002"/>
+            <a:ext cx="1443793" cy="307777"/>
           </a:xfrm>
           <a:prstGeom prst="rect">
             <a:avLst/>
@@ -3740,157 +3683,6 @@
           <a:lstStyle/>
           <a:p>
             <a:r>
-              <a:rPr lang="en-US" sz="1400" b="1" dirty="0" err="1" smtClean="0">
-                <a:solidFill>
-                  <a:srgbClr val="0070C0"/>
-                </a:solidFill>
-                <a:latin typeface="Cambria" panose="02040503050406030204" pitchFamily="18" charset="0"/>
-                <a:ea typeface="Cambria" panose="02040503050406030204" pitchFamily="18" charset="0"/>
-              </a:rPr>
-              <a:t>mydata</a:t>
-            </a:r>
-            <a:r>
-              <a:rPr lang="en-US" sz="1400" b="1" dirty="0" smtClean="0">
-                <a:solidFill>
-                  <a:srgbClr val="0070C0"/>
-                </a:solidFill>
-                <a:latin typeface="Cambria" panose="02040503050406030204" pitchFamily="18" charset="0"/>
-                <a:ea typeface="Cambria" panose="02040503050406030204" pitchFamily="18" charset="0"/>
-              </a:rPr>
-              <a:t>()</a:t>
-            </a:r>
-            <a:endParaRPr lang="en-US" sz="1400" i="1" dirty="0" smtClean="0">
-              <a:solidFill>
-                <a:srgbClr val="0070C0"/>
-              </a:solidFill>
-              <a:latin typeface="Cambria" panose="02040503050406030204" pitchFamily="18" charset="0"/>
-              <a:ea typeface="Cambria" panose="02040503050406030204" pitchFamily="18" charset="0"/>
-            </a:endParaRPr>
-          </a:p>
-          <a:p>
-            <a:r>
-              <a:rPr lang="en-US" sz="1400" i="1" dirty="0" smtClean="0">
-                <a:solidFill>
-                  <a:srgbClr val="0070C0"/>
-                </a:solidFill>
-                <a:latin typeface="Cambria" panose="02040503050406030204" pitchFamily="18" charset="0"/>
-                <a:ea typeface="Cambria" panose="02040503050406030204" pitchFamily="18" charset="0"/>
-              </a:rPr>
-              <a:t>reactive, returns </a:t>
-            </a:r>
-            <a:r>
-              <a:rPr lang="en-US" sz="1400" i="1" dirty="0" err="1" smtClean="0">
-                <a:solidFill>
-                  <a:srgbClr val="0070C0"/>
-                </a:solidFill>
-                <a:latin typeface="Cambria" panose="02040503050406030204" pitchFamily="18" charset="0"/>
-                <a:ea typeface="Cambria" panose="02040503050406030204" pitchFamily="18" charset="0"/>
-              </a:rPr>
-              <a:t>tibble</a:t>
-            </a:r>
-            <a:endParaRPr lang="en-US" sz="1400" i="1" dirty="0" smtClean="0">
-              <a:solidFill>
-                <a:srgbClr val="0070C0"/>
-              </a:solidFill>
-              <a:latin typeface="Cambria" panose="02040503050406030204" pitchFamily="18" charset="0"/>
-              <a:ea typeface="Cambria" panose="02040503050406030204" pitchFamily="18" charset="0"/>
-            </a:endParaRPr>
-          </a:p>
-          <a:p>
-            <a:endParaRPr lang="en-US" sz="1400" i="1" dirty="0">
-              <a:solidFill>
-                <a:srgbClr val="0070C0"/>
-              </a:solidFill>
-              <a:latin typeface="Cambria" panose="02040503050406030204" pitchFamily="18" charset="0"/>
-              <a:ea typeface="Cambria" panose="02040503050406030204" pitchFamily="18" charset="0"/>
-            </a:endParaRPr>
-          </a:p>
-        </p:txBody>
-      </p:sp>
-      <p:sp>
-        <p:nvSpPr>
-          <p:cNvPr id="42" name="Rectangle 41"/>
-          <p:cNvSpPr/>
-          <p:nvPr/>
-        </p:nvSpPr>
-        <p:spPr>
-          <a:xfrm>
-            <a:off x="3367724" y="1462177"/>
-            <a:ext cx="1091837" cy="523220"/>
-          </a:xfrm>
-          <a:prstGeom prst="rect">
-            <a:avLst/>
-          </a:prstGeom>
-          <a:noFill/>
-        </p:spPr>
-        <p:txBody>
-          <a:bodyPr wrap="none" rtlCol="0">
-            <a:spAutoFit/>
-          </a:bodyPr>
-          <a:lstStyle/>
-          <a:p>
-            <a:r>
-              <a:rPr lang="en-US" sz="1400" b="1" dirty="0" smtClean="0">
-                <a:solidFill>
-                  <a:srgbClr val="0070C0"/>
-                </a:solidFill>
-                <a:latin typeface="Cambria" panose="02040503050406030204" pitchFamily="18" charset="0"/>
-                <a:ea typeface="Cambria" panose="02040503050406030204" pitchFamily="18" charset="0"/>
-              </a:rPr>
-              <a:t>newEntry4</a:t>
-            </a:r>
-            <a:endParaRPr lang="en-US" sz="1400" i="1" dirty="0" smtClean="0">
-              <a:solidFill>
-                <a:srgbClr val="0070C0"/>
-              </a:solidFill>
-              <a:latin typeface="Cambria" panose="02040503050406030204" pitchFamily="18" charset="0"/>
-              <a:ea typeface="Cambria" panose="02040503050406030204" pitchFamily="18" charset="0"/>
-            </a:endParaRPr>
-          </a:p>
-          <a:p>
-            <a:r>
-              <a:rPr lang="en-US" sz="1400" i="1" dirty="0" smtClean="0">
-                <a:solidFill>
-                  <a:srgbClr val="0070C0"/>
-                </a:solidFill>
-                <a:latin typeface="Cambria" panose="02040503050406030204" pitchFamily="18" charset="0"/>
-                <a:ea typeface="Cambria" panose="02040503050406030204" pitchFamily="18" charset="0"/>
-              </a:rPr>
-              <a:t>observe</a:t>
-            </a:r>
-            <a:endParaRPr lang="en-US" sz="1400" i="1" dirty="0">
-              <a:solidFill>
-                <a:srgbClr val="0070C0"/>
-              </a:solidFill>
-              <a:latin typeface="Cambria" panose="02040503050406030204" pitchFamily="18" charset="0"/>
-              <a:ea typeface="Cambria" panose="02040503050406030204" pitchFamily="18" charset="0"/>
-            </a:endParaRPr>
-          </a:p>
-        </p:txBody>
-      </p:sp>
-      <p:sp>
-        <p:nvSpPr>
-          <p:cNvPr id="43" name="Rectangle 42"/>
-          <p:cNvSpPr/>
-          <p:nvPr/>
-        </p:nvSpPr>
-        <p:spPr>
-          <a:xfrm>
-            <a:off x="2714559" y="4613401"/>
-            <a:ext cx="1443793" cy="307777"/>
-          </a:xfrm>
-          <a:prstGeom prst="rect">
-            <a:avLst/>
-          </a:prstGeom>
-          <a:noFill/>
-        </p:spPr>
-        <p:txBody>
-          <a:bodyPr wrap="none" rtlCol="0">
-            <a:spAutoFit/>
-          </a:bodyPr>
-          <a:lstStyle/>
-          <a:p>
-            <a:r>
               <a:rPr lang="en-US" sz="1400" b="1" dirty="0" err="1">
                 <a:solidFill>
                   <a:srgbClr val="0070C0"/>
@@ -3916,13 +3708,16 @@
       <p:cxnSp>
         <p:nvCxnSpPr>
           <p:cNvPr id="46" name="Straight Arrow Connector 45"/>
-          <p:cNvCxnSpPr/>
+          <p:cNvCxnSpPr>
+            <a:stCxn id="38" idx="3"/>
+            <a:endCxn id="43" idx="1"/>
+          </p:cNvCxnSpPr>
           <p:nvPr/>
         </p:nvCxnSpPr>
         <p:spPr>
-          <a:xfrm>
-            <a:off x="1796763" y="4679237"/>
-            <a:ext cx="864372" cy="30724"/>
+          <a:xfrm flipV="1">
+            <a:off x="1402594" y="4853891"/>
+            <a:ext cx="541909" cy="12147"/>
           </a:xfrm>
           <a:prstGeom prst="straightConnector1">
             <a:avLst/>
@@ -3954,8 +3749,8 @@
         </p:nvCxnSpPr>
         <p:spPr>
           <a:xfrm flipV="1">
-            <a:off x="3662462" y="3848641"/>
-            <a:ext cx="826745" cy="764761"/>
+            <a:off x="3413199" y="3785337"/>
+            <a:ext cx="496288" cy="819091"/>
           </a:xfrm>
           <a:prstGeom prst="straightConnector1">
             <a:avLst/>
@@ -3987,7 +3782,7 @@
         </p:nvSpPr>
         <p:spPr>
           <a:xfrm>
-            <a:off x="6168464" y="2629733"/>
+            <a:off x="5388744" y="2507754"/>
             <a:ext cx="1740541" cy="307777"/>
           </a:xfrm>
           <a:prstGeom prst="rect">
@@ -4037,77 +3832,19 @@
           </a:p>
         </p:txBody>
       </p:sp>
-      <p:sp>
-        <p:nvSpPr>
-          <p:cNvPr id="56" name="Rectangle 55"/>
-          <p:cNvSpPr/>
-          <p:nvPr/>
-        </p:nvSpPr>
-        <p:spPr>
-          <a:xfrm>
-            <a:off x="2721402" y="5383052"/>
-            <a:ext cx="986039" cy="523220"/>
-          </a:xfrm>
-          <a:prstGeom prst="rect">
-            <a:avLst/>
-          </a:prstGeom>
-          <a:noFill/>
-        </p:spPr>
-        <p:txBody>
-          <a:bodyPr wrap="none" rtlCol="0">
-            <a:spAutoFit/>
-          </a:bodyPr>
-          <a:lstStyle/>
-          <a:p>
-            <a:r>
-              <a:rPr lang="en-US" sz="1400" b="1" dirty="0" err="1" smtClean="0">
-                <a:solidFill>
-                  <a:srgbClr val="0070C0"/>
-                </a:solidFill>
-                <a:latin typeface="Cambria" panose="02040503050406030204" pitchFamily="18" charset="0"/>
-                <a:ea typeface="Cambria" panose="02040503050406030204" pitchFamily="18" charset="0"/>
-              </a:rPr>
-              <a:t>newEntry</a:t>
-            </a:r>
-            <a:endParaRPr lang="en-US" sz="1400" i="1" dirty="0" smtClean="0">
-              <a:solidFill>
-                <a:srgbClr val="0070C0"/>
-              </a:solidFill>
-              <a:latin typeface="Cambria" panose="02040503050406030204" pitchFamily="18" charset="0"/>
-              <a:ea typeface="Cambria" panose="02040503050406030204" pitchFamily="18" charset="0"/>
-            </a:endParaRPr>
-          </a:p>
-          <a:p>
-            <a:r>
-              <a:rPr lang="en-US" sz="1400" i="1" dirty="0" smtClean="0">
-                <a:solidFill>
-                  <a:srgbClr val="0070C0"/>
-                </a:solidFill>
-                <a:latin typeface="Cambria" panose="02040503050406030204" pitchFamily="18" charset="0"/>
-                <a:ea typeface="Cambria" panose="02040503050406030204" pitchFamily="18" charset="0"/>
-              </a:rPr>
-              <a:t>observe</a:t>
-            </a:r>
-            <a:endParaRPr lang="en-US" sz="1400" i="1" dirty="0">
-              <a:solidFill>
-                <a:srgbClr val="0070C0"/>
-              </a:solidFill>
-              <a:latin typeface="Cambria" panose="02040503050406030204" pitchFamily="18" charset="0"/>
-              <a:ea typeface="Cambria" panose="02040503050406030204" pitchFamily="18" charset="0"/>
-            </a:endParaRPr>
-          </a:p>
-        </p:txBody>
-      </p:sp>
       <p:cxnSp>
         <p:nvCxnSpPr>
           <p:cNvPr id="57" name="Straight Arrow Connector 56"/>
-          <p:cNvCxnSpPr/>
+          <p:cNvCxnSpPr>
+            <a:stCxn id="33" idx="3"/>
+            <a:endCxn id="93" idx="1"/>
+          </p:cNvCxnSpPr>
           <p:nvPr/>
         </p:nvCxnSpPr>
         <p:spPr>
           <a:xfrm>
-            <a:off x="1796428" y="5644663"/>
-            <a:ext cx="819436" cy="24198"/>
+            <a:off x="1481980" y="6006621"/>
+            <a:ext cx="461280" cy="0"/>
           </a:xfrm>
           <a:prstGeom prst="straightConnector1">
             <a:avLst/>
@@ -4139,7 +3876,7 @@
         </p:nvSpPr>
         <p:spPr>
           <a:xfrm>
-            <a:off x="4883550" y="5644662"/>
+            <a:off x="7328399" y="5762400"/>
             <a:ext cx="1199496" cy="523220"/>
           </a:xfrm>
           <a:prstGeom prst="rect">
@@ -4154,14 +3891,14 @@
           <a:lstStyle/>
           <a:p>
             <a:r>
-              <a:rPr lang="en-US" sz="1400" b="1" dirty="0" err="1" smtClean="0">
+              <a:rPr lang="en-US" sz="1400" b="1" dirty="0" err="1">
                 <a:solidFill>
                   <a:srgbClr val="7030A0"/>
                 </a:solidFill>
                 <a:latin typeface="Cambria" panose="02040503050406030204" pitchFamily="18" charset="0"/>
                 <a:ea typeface="Cambria" panose="02040503050406030204" pitchFamily="18" charset="0"/>
               </a:rPr>
-              <a:t>selected_var</a:t>
+              <a:t>txt_total_vol</a:t>
             </a:r>
             <a:r>
               <a:rPr lang="en-US" sz="1400" b="1" dirty="0" smtClean="0">
@@ -4205,13 +3942,16 @@
       <p:cxnSp>
         <p:nvCxnSpPr>
           <p:cNvPr id="59" name="Straight Arrow Connector 58"/>
-          <p:cNvCxnSpPr/>
+          <p:cNvCxnSpPr>
+            <a:stCxn id="93" idx="3"/>
+            <a:endCxn id="58" idx="1"/>
+          </p:cNvCxnSpPr>
           <p:nvPr/>
         </p:nvCxnSpPr>
         <p:spPr>
-          <a:xfrm flipV="1">
-            <a:off x="3880756" y="5940818"/>
-            <a:ext cx="852291" cy="1"/>
+          <a:xfrm>
+            <a:off x="3387053" y="6006621"/>
+            <a:ext cx="3941346" cy="17389"/>
           </a:xfrm>
           <a:prstGeom prst="straightConnector1">
             <a:avLst/>
@@ -4243,8 +3983,8 @@
         </p:nvSpPr>
         <p:spPr>
           <a:xfrm>
-            <a:off x="6083046" y="3937004"/>
-            <a:ext cx="1236813" cy="307777"/>
+            <a:off x="5508122" y="3325995"/>
+            <a:ext cx="1382751" cy="307777"/>
           </a:xfrm>
           <a:prstGeom prst="rect">
             <a:avLst/>
@@ -4267,7 +4007,7 @@
                 <a:latin typeface="Cambria" panose="02040503050406030204" pitchFamily="18" charset="0"/>
                 <a:ea typeface="Cambria" panose="02040503050406030204" pitchFamily="18" charset="0"/>
               </a:rPr>
-              <a:t>renderPlot</a:t>
+              <a:t>renderPlotly</a:t>
             </a:r>
             <a:r>
               <a:rPr lang="en-US" sz="1400" b="1" dirty="0" smtClean="0">
@@ -4297,14 +4037,15 @@
         <p:nvCxnSpPr>
           <p:cNvPr id="61" name="Straight Arrow Connector 60"/>
           <p:cNvCxnSpPr>
+            <a:stCxn id="39" idx="3"/>
             <a:endCxn id="60" idx="1"/>
           </p:cNvCxnSpPr>
           <p:nvPr/>
         </p:nvCxnSpPr>
         <p:spPr>
           <a:xfrm>
-            <a:off x="5610649" y="3817027"/>
-            <a:ext cx="472397" cy="273866"/>
+            <a:off x="5143135" y="3372079"/>
+            <a:ext cx="364987" cy="107805"/>
           </a:xfrm>
           <a:prstGeom prst="straightConnector1">
             <a:avLst/>
@@ -4331,13 +4072,16 @@
       <p:cxnSp>
         <p:nvCxnSpPr>
           <p:cNvPr id="62" name="Straight Arrow Connector 61"/>
-          <p:cNvCxnSpPr/>
+          <p:cNvCxnSpPr>
+            <a:stCxn id="60" idx="3"/>
+            <a:endCxn id="37" idx="1"/>
+          </p:cNvCxnSpPr>
           <p:nvPr/>
         </p:nvCxnSpPr>
         <p:spPr>
           <a:xfrm>
-            <a:off x="7197587" y="4364758"/>
-            <a:ext cx="255078" cy="378536"/>
+            <a:off x="6890873" y="3479884"/>
+            <a:ext cx="534432" cy="48325"/>
           </a:xfrm>
           <a:prstGeom prst="straightConnector1">
             <a:avLst/>
@@ -4363,143 +4107,17 @@
       </p:cxnSp>
       <p:cxnSp>
         <p:nvCxnSpPr>
-          <p:cNvPr id="63" name="Straight Arrow Connector 62"/>
-          <p:cNvCxnSpPr/>
+          <p:cNvPr id="68" name="Straight Arrow Connector 67"/>
+          <p:cNvCxnSpPr>
+            <a:stCxn id="31" idx="3"/>
+            <a:endCxn id="80" idx="1"/>
+          </p:cNvCxnSpPr>
           <p:nvPr/>
         </p:nvCxnSpPr>
         <p:spPr>
-          <a:xfrm flipV="1">
-            <a:off x="2014816" y="848449"/>
-            <a:ext cx="2399213" cy="46210"/>
-          </a:xfrm>
-          <a:prstGeom prst="straightConnector1">
-            <a:avLst/>
-          </a:prstGeom>
-          <a:ln>
-            <a:tailEnd type="triangle"/>
-          </a:ln>
-        </p:spPr>
-        <p:style>
-          <a:lnRef idx="1">
-            <a:schemeClr val="dk1"/>
-          </a:lnRef>
-          <a:fillRef idx="0">
-            <a:schemeClr val="dk1"/>
-          </a:fillRef>
-          <a:effectRef idx="0">
-            <a:schemeClr val="dk1"/>
-          </a:effectRef>
-          <a:fontRef idx="minor">
-            <a:schemeClr val="tx1"/>
-          </a:fontRef>
-        </p:style>
-      </p:cxnSp>
-      <p:cxnSp>
-        <p:nvCxnSpPr>
-          <p:cNvPr id="64" name="Straight Arrow Connector 63"/>
-          <p:cNvCxnSpPr>
-            <a:stCxn id="42" idx="2"/>
-          </p:cNvCxnSpPr>
-          <p:nvPr/>
-        </p:nvCxnSpPr>
-        <p:spPr>
-          <a:xfrm>
-            <a:off x="3913643" y="1985397"/>
-            <a:ext cx="500386" cy="1130202"/>
-          </a:xfrm>
-          <a:prstGeom prst="straightConnector1">
-            <a:avLst/>
-          </a:prstGeom>
-          <a:ln>
-            <a:tailEnd type="triangle"/>
-          </a:ln>
-        </p:spPr>
-        <p:style>
-          <a:lnRef idx="1">
-            <a:schemeClr val="dk1"/>
-          </a:lnRef>
-          <a:fillRef idx="0">
-            <a:schemeClr val="dk1"/>
-          </a:fillRef>
-          <a:effectRef idx="0">
-            <a:schemeClr val="dk1"/>
-          </a:effectRef>
-          <a:fontRef idx="minor">
-            <a:schemeClr val="tx1"/>
-          </a:fontRef>
-        </p:style>
-      </p:cxnSp>
-      <p:sp>
-        <p:nvSpPr>
-          <p:cNvPr id="67" name="Rectangle 66"/>
-          <p:cNvSpPr/>
-          <p:nvPr/>
-        </p:nvSpPr>
-        <p:spPr>
-          <a:xfrm>
-            <a:off x="2326636" y="3332151"/>
-            <a:ext cx="1091837" cy="523220"/>
-          </a:xfrm>
-          <a:prstGeom prst="rect">
-            <a:avLst/>
-          </a:prstGeom>
-          <a:noFill/>
-        </p:spPr>
-        <p:txBody>
-          <a:bodyPr wrap="none" rtlCol="0">
-            <a:spAutoFit/>
-          </a:bodyPr>
-          <a:lstStyle/>
-          <a:p>
-            <a:r>
-              <a:rPr lang="en-US" sz="1400" b="1" dirty="0" smtClean="0">
-                <a:solidFill>
-                  <a:srgbClr val="0070C0"/>
-                </a:solidFill>
-                <a:latin typeface="Cambria" panose="02040503050406030204" pitchFamily="18" charset="0"/>
-                <a:ea typeface="Cambria" panose="02040503050406030204" pitchFamily="18" charset="0"/>
-              </a:rPr>
-              <a:t>newEntry2</a:t>
-            </a:r>
-            <a:endParaRPr lang="en-US" sz="1400" i="1" dirty="0" smtClean="0">
-              <a:solidFill>
-                <a:srgbClr val="0070C0"/>
-              </a:solidFill>
-              <a:latin typeface="Cambria" panose="02040503050406030204" pitchFamily="18" charset="0"/>
-              <a:ea typeface="Cambria" panose="02040503050406030204" pitchFamily="18" charset="0"/>
-            </a:endParaRPr>
-          </a:p>
-          <a:p>
-            <a:r>
-              <a:rPr lang="en-US" sz="1400" i="1" dirty="0" smtClean="0">
-                <a:solidFill>
-                  <a:srgbClr val="0070C0"/>
-                </a:solidFill>
-                <a:latin typeface="Cambria" panose="02040503050406030204" pitchFamily="18" charset="0"/>
-                <a:ea typeface="Cambria" panose="02040503050406030204" pitchFamily="18" charset="0"/>
-              </a:rPr>
-              <a:t>observe</a:t>
-            </a:r>
-            <a:endParaRPr lang="en-US" sz="1400" i="1" dirty="0">
-              <a:solidFill>
-                <a:srgbClr val="0070C0"/>
-              </a:solidFill>
-              <a:latin typeface="Cambria" panose="02040503050406030204" pitchFamily="18" charset="0"/>
-              <a:ea typeface="Cambria" panose="02040503050406030204" pitchFamily="18" charset="0"/>
-            </a:endParaRPr>
-          </a:p>
-        </p:txBody>
-      </p:sp>
-      <p:cxnSp>
-        <p:nvCxnSpPr>
-          <p:cNvPr id="68" name="Straight Arrow Connector 67"/>
-          <p:cNvCxnSpPr/>
-          <p:nvPr/>
-        </p:nvCxnSpPr>
-        <p:spPr>
-          <a:xfrm flipV="1">
-            <a:off x="1917455" y="3593761"/>
-            <a:ext cx="398552" cy="74933"/>
+          <a:xfrm>
+            <a:off x="1389880" y="3372079"/>
+            <a:ext cx="554624" cy="2242"/>
           </a:xfrm>
           <a:prstGeom prst="straightConnector1">
             <a:avLst/>
@@ -4527,20 +4145,99 @@
         <p:nvCxnSpPr>
           <p:cNvPr id="70" name="Straight Arrow Connector 69"/>
           <p:cNvCxnSpPr>
-            <a:stCxn id="67" idx="3"/>
+            <a:stCxn id="80" idx="3"/>
             <a:endCxn id="39" idx="1"/>
           </p:cNvCxnSpPr>
           <p:nvPr/>
         </p:nvCxnSpPr>
         <p:spPr>
           <a:xfrm flipV="1">
-            <a:off x="3418473" y="3564885"/>
-            <a:ext cx="451289" cy="28876"/>
+            <a:off x="3388297" y="3372079"/>
+            <a:ext cx="406392" cy="2242"/>
           </a:xfrm>
           <a:prstGeom prst="straightConnector1">
             <a:avLst/>
           </a:prstGeom>
           <a:ln>
+            <a:tailEnd type="triangle"/>
+          </a:ln>
+        </p:spPr>
+        <p:style>
+          <a:lnRef idx="1">
+            <a:schemeClr val="dk1"/>
+          </a:lnRef>
+          <a:fillRef idx="0">
+            <a:schemeClr val="dk1"/>
+          </a:fillRef>
+          <a:effectRef idx="0">
+            <a:schemeClr val="dk1"/>
+          </a:effectRef>
+          <a:fontRef idx="minor">
+            <a:schemeClr val="tx1"/>
+          </a:fontRef>
+        </p:style>
+      </p:cxnSp>
+      <p:sp>
+        <p:nvSpPr>
+          <p:cNvPr id="80" name="Rectangle 79"/>
+          <p:cNvSpPr/>
+          <p:nvPr/>
+        </p:nvSpPr>
+        <p:spPr>
+          <a:xfrm>
+            <a:off x="1944504" y="3220432"/>
+            <a:ext cx="1443793" cy="307777"/>
+          </a:xfrm>
+          <a:prstGeom prst="rect">
+            <a:avLst/>
+          </a:prstGeom>
+          <a:noFill/>
+        </p:spPr>
+        <p:txBody>
+          <a:bodyPr wrap="none" rtlCol="0">
+            <a:spAutoFit/>
+          </a:bodyPr>
+          <a:lstStyle/>
+          <a:p>
+            <a:r>
+              <a:rPr lang="en-US" sz="1400" b="1" dirty="0" err="1">
+                <a:solidFill>
+                  <a:srgbClr val="0070C0"/>
+                </a:solidFill>
+                <a:latin typeface="Cambria" panose="02040503050406030204" pitchFamily="18" charset="0"/>
+                <a:ea typeface="Cambria" panose="02040503050406030204" pitchFamily="18" charset="0"/>
+              </a:rPr>
+              <a:t>observeEvent</a:t>
+            </a:r>
+            <a:r>
+              <a:rPr lang="en-US" sz="1400" b="1" dirty="0" smtClean="0">
+                <a:solidFill>
+                  <a:srgbClr val="0070C0"/>
+                </a:solidFill>
+                <a:latin typeface="Cambria" panose="02040503050406030204" pitchFamily="18" charset="0"/>
+                <a:ea typeface="Cambria" panose="02040503050406030204" pitchFamily="18" charset="0"/>
+              </a:rPr>
+              <a:t>()</a:t>
+            </a:r>
+          </a:p>
+        </p:txBody>
+      </p:sp>
+      <p:cxnSp>
+        <p:nvCxnSpPr>
+          <p:cNvPr id="84" name="Straight Arrow Connector 83"/>
+          <p:cNvCxnSpPr/>
+          <p:nvPr/>
+        </p:nvCxnSpPr>
+        <p:spPr>
+          <a:xfrm flipV="1">
+            <a:off x="1462087" y="3650932"/>
+            <a:ext cx="408053" cy="327518"/>
+          </a:xfrm>
+          <a:prstGeom prst="straightConnector1">
+            <a:avLst/>
+          </a:prstGeom>
+          <a:ln>
+            <a:prstDash val="dash"/>
             <a:tailEnd type="triangle"/>
           </a:ln>
         </p:spPr>
@@ -4561,14 +4258,14 @@
       </p:cxnSp>
       <p:cxnSp>
         <p:nvCxnSpPr>
-          <p:cNvPr id="77" name="Straight Arrow Connector 76"/>
+          <p:cNvPr id="86" name="Straight Arrow Connector 85"/>
           <p:cNvCxnSpPr/>
           <p:nvPr/>
         </p:nvCxnSpPr>
         <p:spPr>
-          <a:xfrm flipH="1">
-            <a:off x="4414029" y="1188952"/>
-            <a:ext cx="233211" cy="296156"/>
+          <a:xfrm>
+            <a:off x="1572443" y="2839734"/>
+            <a:ext cx="313933" cy="327207"/>
           </a:xfrm>
           <a:prstGeom prst="straightConnector1">
             <a:avLst/>
@@ -4595,14 +4292,14 @@
       </p:cxnSp>
       <p:sp>
         <p:nvSpPr>
-          <p:cNvPr id="2" name="TextBox 1"/>
-          <p:cNvSpPr txBox="1"/>
-          <p:nvPr/>
-        </p:nvSpPr>
-        <p:spPr>
-          <a:xfrm>
-            <a:off x="174857" y="140706"/>
-            <a:ext cx="2547300" cy="369332"/>
+          <p:cNvPr id="89" name="Rectangle 88"/>
+          <p:cNvSpPr/>
+          <p:nvPr/>
+        </p:nvSpPr>
+        <p:spPr>
+          <a:xfrm>
+            <a:off x="2062678" y="2060940"/>
+            <a:ext cx="984308" cy="307777"/>
           </a:xfrm>
           <a:prstGeom prst="rect">
             <a:avLst/>
@@ -4616,17 +4313,723 @@
           <a:lstStyle/>
           <a:p>
             <a:r>
+              <a:rPr lang="en-US" sz="1400" b="1" dirty="0" smtClean="0">
+                <a:solidFill>
+                  <a:srgbClr val="0070C0"/>
+                </a:solidFill>
+                <a:latin typeface="Cambria" panose="02040503050406030204" pitchFamily="18" charset="0"/>
+                <a:ea typeface="Cambria" panose="02040503050406030204" pitchFamily="18" charset="0"/>
+              </a:rPr>
+              <a:t>observe()</a:t>
+            </a:r>
+          </a:p>
+        </p:txBody>
+      </p:sp>
+      <p:cxnSp>
+        <p:nvCxnSpPr>
+          <p:cNvPr id="90" name="Straight Arrow Connector 89"/>
+          <p:cNvCxnSpPr/>
+          <p:nvPr/>
+        </p:nvCxnSpPr>
+        <p:spPr>
+          <a:xfrm>
+            <a:off x="3031710" y="2321938"/>
+            <a:ext cx="762979" cy="750530"/>
+          </a:xfrm>
+          <a:prstGeom prst="straightConnector1">
+            <a:avLst/>
+          </a:prstGeom>
+          <a:ln>
+            <a:tailEnd type="triangle"/>
+          </a:ln>
+        </p:spPr>
+        <p:style>
+          <a:lnRef idx="1">
+            <a:schemeClr val="dk1"/>
+          </a:lnRef>
+          <a:fillRef idx="0">
+            <a:schemeClr val="dk1"/>
+          </a:fillRef>
+          <a:effectRef idx="0">
+            <a:schemeClr val="dk1"/>
+          </a:effectRef>
+          <a:fontRef idx="minor">
+            <a:schemeClr val="tx1"/>
+          </a:fontRef>
+        </p:style>
+      </p:cxnSp>
+      <p:sp>
+        <p:nvSpPr>
+          <p:cNvPr id="93" name="Rectangle 92"/>
+          <p:cNvSpPr/>
+          <p:nvPr/>
+        </p:nvSpPr>
+        <p:spPr>
+          <a:xfrm>
+            <a:off x="1943260" y="5852732"/>
+            <a:ext cx="1443793" cy="307777"/>
+          </a:xfrm>
+          <a:prstGeom prst="rect">
+            <a:avLst/>
+          </a:prstGeom>
+          <a:noFill/>
+        </p:spPr>
+        <p:txBody>
+          <a:bodyPr wrap="none" rtlCol="0">
+            <a:spAutoFit/>
+          </a:bodyPr>
+          <a:lstStyle/>
+          <a:p>
+            <a:r>
+              <a:rPr lang="en-US" sz="1400" b="1" dirty="0" err="1">
+                <a:solidFill>
+                  <a:srgbClr val="0070C0"/>
+                </a:solidFill>
+                <a:latin typeface="Cambria" panose="02040503050406030204" pitchFamily="18" charset="0"/>
+                <a:ea typeface="Cambria" panose="02040503050406030204" pitchFamily="18" charset="0"/>
+              </a:rPr>
+              <a:t>observeEvent</a:t>
+            </a:r>
+            <a:r>
+              <a:rPr lang="en-US" sz="1400" b="1" dirty="0" smtClean="0">
+                <a:solidFill>
+                  <a:srgbClr val="0070C0"/>
+                </a:solidFill>
+                <a:latin typeface="Cambria" panose="02040503050406030204" pitchFamily="18" charset="0"/>
+                <a:ea typeface="Cambria" panose="02040503050406030204" pitchFamily="18" charset="0"/>
+              </a:rPr>
+              <a:t>()</a:t>
+            </a:r>
+          </a:p>
+        </p:txBody>
+      </p:sp>
+      <p:cxnSp>
+        <p:nvCxnSpPr>
+          <p:cNvPr id="119" name="Straight Arrow Connector 118"/>
+          <p:cNvCxnSpPr/>
+          <p:nvPr/>
+        </p:nvCxnSpPr>
+        <p:spPr>
+          <a:xfrm flipV="1">
+            <a:off x="5143135" y="2849425"/>
+            <a:ext cx="313433" cy="330304"/>
+          </a:xfrm>
+          <a:prstGeom prst="straightConnector1">
+            <a:avLst/>
+          </a:prstGeom>
+          <a:ln>
+            <a:tailEnd type="triangle"/>
+          </a:ln>
+        </p:spPr>
+        <p:style>
+          <a:lnRef idx="1">
+            <a:schemeClr val="dk1"/>
+          </a:lnRef>
+          <a:fillRef idx="0">
+            <a:schemeClr val="dk1"/>
+          </a:fillRef>
+          <a:effectRef idx="0">
+            <a:schemeClr val="dk1"/>
+          </a:effectRef>
+          <a:fontRef idx="minor">
+            <a:schemeClr val="tx1"/>
+          </a:fontRef>
+        </p:style>
+      </p:cxnSp>
+      <p:sp>
+        <p:nvSpPr>
+          <p:cNvPr id="134" name="TextBox 133"/>
+          <p:cNvSpPr txBox="1"/>
+          <p:nvPr/>
+        </p:nvSpPr>
+        <p:spPr>
+          <a:xfrm>
+            <a:off x="174857" y="140706"/>
+            <a:ext cx="3573158" cy="369332"/>
+          </a:xfrm>
+          <a:prstGeom prst="rect">
+            <a:avLst/>
+          </a:prstGeom>
+          <a:noFill/>
+        </p:spPr>
+        <p:txBody>
+          <a:bodyPr wrap="none" rtlCol="0">
+            <a:spAutoFit/>
+          </a:bodyPr>
+          <a:lstStyle/>
+          <a:p>
+            <a:r>
               <a:rPr lang="en-US" b="1" dirty="0" smtClean="0"/>
-              <a:t>Reactivity Map - Original</a:t>
+              <a:t>Reactivity Map – Ver. </a:t>
+            </a:r>
+            <a:r>
+              <a:rPr lang="en-US" b="1" smtClean="0"/>
+              <a:t>03 (July 2019)</a:t>
             </a:r>
             <a:endParaRPr lang="en-US" b="1" dirty="0"/>
           </a:p>
         </p:txBody>
       </p:sp>
+      <p:sp>
+        <p:nvSpPr>
+          <p:cNvPr id="136" name="Rectangle 135"/>
+          <p:cNvSpPr/>
+          <p:nvPr/>
+        </p:nvSpPr>
+        <p:spPr>
+          <a:xfrm>
+            <a:off x="7328399" y="4868772"/>
+            <a:ext cx="1448153" cy="523220"/>
+          </a:xfrm>
+          <a:prstGeom prst="rect">
+            <a:avLst/>
+          </a:prstGeom>
+          <a:noFill/>
+        </p:spPr>
+        <p:txBody>
+          <a:bodyPr wrap="none" rtlCol="0">
+            <a:spAutoFit/>
+          </a:bodyPr>
+          <a:lstStyle/>
+          <a:p>
+            <a:r>
+              <a:rPr lang="en-US" sz="1400" b="1" dirty="0" err="1" smtClean="0">
+                <a:solidFill>
+                  <a:srgbClr val="7030A0"/>
+                </a:solidFill>
+                <a:latin typeface="Cambria" panose="02040503050406030204" pitchFamily="18" charset="0"/>
+                <a:ea typeface="Cambria" panose="02040503050406030204" pitchFamily="18" charset="0"/>
+              </a:rPr>
+              <a:t>tbl_populated</a:t>
+            </a:r>
+            <a:r>
+              <a:rPr lang="en-US" sz="1400" b="1" dirty="0" smtClean="0">
+                <a:solidFill>
+                  <a:srgbClr val="7030A0"/>
+                </a:solidFill>
+                <a:latin typeface="Cambria" panose="02040503050406030204" pitchFamily="18" charset="0"/>
+                <a:ea typeface="Cambria" panose="02040503050406030204" pitchFamily="18" charset="0"/>
+              </a:rPr>
+              <a:t/>
+            </a:r>
+            <a:br>
+              <a:rPr lang="en-US" sz="1400" b="1" dirty="0" smtClean="0">
+                <a:solidFill>
+                  <a:srgbClr val="7030A0"/>
+                </a:solidFill>
+                <a:latin typeface="Cambria" panose="02040503050406030204" pitchFamily="18" charset="0"/>
+                <a:ea typeface="Cambria" panose="02040503050406030204" pitchFamily="18" charset="0"/>
+              </a:rPr>
+            </a:br>
+            <a:r>
+              <a:rPr lang="en-US" sz="1400" i="1" dirty="0" err="1">
+                <a:solidFill>
+                  <a:srgbClr val="7030A0"/>
+                </a:solidFill>
+                <a:latin typeface="Cambria" panose="02040503050406030204" pitchFamily="18" charset="0"/>
+                <a:ea typeface="Cambria" panose="02040503050406030204" pitchFamily="18" charset="0"/>
+              </a:rPr>
+              <a:t>conditionalPanel</a:t>
+            </a:r>
+            <a:endParaRPr lang="en-US" sz="1400" i="1" dirty="0">
+              <a:solidFill>
+                <a:srgbClr val="7030A0"/>
+              </a:solidFill>
+              <a:latin typeface="Cambria" panose="02040503050406030204" pitchFamily="18" charset="0"/>
+              <a:ea typeface="Cambria" panose="02040503050406030204" pitchFamily="18" charset="0"/>
+            </a:endParaRPr>
+          </a:p>
+        </p:txBody>
+      </p:sp>
+      <p:sp>
+        <p:nvSpPr>
+          <p:cNvPr id="137" name="Rectangle 136"/>
+          <p:cNvSpPr/>
+          <p:nvPr/>
+        </p:nvSpPr>
+        <p:spPr>
+          <a:xfrm>
+            <a:off x="5488216" y="4985402"/>
+            <a:ext cx="989758" cy="307777"/>
+          </a:xfrm>
+          <a:prstGeom prst="rect">
+            <a:avLst/>
+          </a:prstGeom>
+          <a:noFill/>
+        </p:spPr>
+        <p:txBody>
+          <a:bodyPr wrap="none" rtlCol="0">
+            <a:spAutoFit/>
+          </a:bodyPr>
+          <a:lstStyle/>
+          <a:p>
+            <a:r>
+              <a:rPr lang="en-US" sz="1400" b="1" dirty="0" smtClean="0">
+                <a:solidFill>
+                  <a:schemeClr val="accent6">
+                    <a:lumMod val="75000"/>
+                  </a:schemeClr>
+                </a:solidFill>
+                <a:latin typeface="Cambria" panose="02040503050406030204" pitchFamily="18" charset="0"/>
+                <a:ea typeface="Cambria" panose="02040503050406030204" pitchFamily="18" charset="0"/>
+              </a:rPr>
+              <a:t>reactive()</a:t>
+            </a:r>
+            <a:endParaRPr lang="en-US" sz="1400" i="1" dirty="0">
+              <a:solidFill>
+                <a:schemeClr val="accent6">
+                  <a:lumMod val="75000"/>
+                </a:schemeClr>
+              </a:solidFill>
+              <a:latin typeface="Cambria" panose="02040503050406030204" pitchFamily="18" charset="0"/>
+              <a:ea typeface="Cambria" panose="02040503050406030204" pitchFamily="18" charset="0"/>
+            </a:endParaRPr>
+          </a:p>
+        </p:txBody>
+      </p:sp>
+      <p:cxnSp>
+        <p:nvCxnSpPr>
+          <p:cNvPr id="138" name="Straight Arrow Connector 137"/>
+          <p:cNvCxnSpPr/>
+          <p:nvPr/>
+        </p:nvCxnSpPr>
+        <p:spPr>
+          <a:xfrm>
+            <a:off x="4957011" y="3777095"/>
+            <a:ext cx="499557" cy="1282829"/>
+          </a:xfrm>
+          <a:prstGeom prst="straightConnector1">
+            <a:avLst/>
+          </a:prstGeom>
+          <a:ln>
+            <a:tailEnd type="triangle"/>
+          </a:ln>
+        </p:spPr>
+        <p:style>
+          <a:lnRef idx="1">
+            <a:schemeClr val="dk1"/>
+          </a:lnRef>
+          <a:fillRef idx="0">
+            <a:schemeClr val="dk1"/>
+          </a:fillRef>
+          <a:effectRef idx="0">
+            <a:schemeClr val="dk1"/>
+          </a:effectRef>
+          <a:fontRef idx="minor">
+            <a:schemeClr val="tx1"/>
+          </a:fontRef>
+        </p:style>
+      </p:cxnSp>
+      <p:cxnSp>
+        <p:nvCxnSpPr>
+          <p:cNvPr id="139" name="Straight Arrow Connector 138"/>
+          <p:cNvCxnSpPr>
+            <a:stCxn id="137" idx="3"/>
+            <a:endCxn id="136" idx="1"/>
+          </p:cNvCxnSpPr>
+          <p:nvPr/>
+        </p:nvCxnSpPr>
+        <p:spPr>
+          <a:xfrm flipV="1">
+            <a:off x="6477974" y="5130382"/>
+            <a:ext cx="850425" cy="8909"/>
+          </a:xfrm>
+          <a:prstGeom prst="straightConnector1">
+            <a:avLst/>
+          </a:prstGeom>
+          <a:ln>
+            <a:tailEnd type="triangle"/>
+          </a:ln>
+        </p:spPr>
+        <p:style>
+          <a:lnRef idx="1">
+            <a:schemeClr val="dk1"/>
+          </a:lnRef>
+          <a:fillRef idx="0">
+            <a:schemeClr val="dk1"/>
+          </a:fillRef>
+          <a:effectRef idx="0">
+            <a:schemeClr val="dk1"/>
+          </a:effectRef>
+          <a:fontRef idx="minor">
+            <a:schemeClr val="tx1"/>
+          </a:fontRef>
+        </p:style>
+      </p:cxnSp>
+      <p:sp>
+        <p:nvSpPr>
+          <p:cNvPr id="40" name="TextBox 39"/>
+          <p:cNvSpPr txBox="1"/>
+          <p:nvPr/>
+        </p:nvSpPr>
+        <p:spPr>
+          <a:xfrm>
+            <a:off x="255518" y="791620"/>
+            <a:ext cx="1548822" cy="523220"/>
+          </a:xfrm>
+          <a:prstGeom prst="rect">
+            <a:avLst/>
+          </a:prstGeom>
+          <a:noFill/>
+        </p:spPr>
+        <p:txBody>
+          <a:bodyPr wrap="none" rtlCol="0">
+            <a:spAutoFit/>
+          </a:bodyPr>
+          <a:lstStyle/>
+          <a:p>
+            <a:r>
+              <a:rPr lang="en-US" sz="1400" b="1" dirty="0" err="1">
+                <a:solidFill>
+                  <a:srgbClr val="C00000"/>
+                </a:solidFill>
+                <a:latin typeface="Cambria" panose="02040503050406030204" pitchFamily="18" charset="0"/>
+                <a:ea typeface="Cambria" panose="02040503050406030204" pitchFamily="18" charset="0"/>
+              </a:rPr>
+              <a:t>lnk_load_sample</a:t>
+            </a:r>
+            <a:endParaRPr lang="en-US" sz="1400" b="1" dirty="0" smtClean="0">
+              <a:solidFill>
+                <a:srgbClr val="C00000"/>
+              </a:solidFill>
+              <a:latin typeface="Cambria" panose="02040503050406030204" pitchFamily="18" charset="0"/>
+              <a:ea typeface="Cambria" panose="02040503050406030204" pitchFamily="18" charset="0"/>
+            </a:endParaRPr>
+          </a:p>
+          <a:p>
+            <a:r>
+              <a:rPr lang="en-US" sz="1400" i="1" dirty="0" smtClean="0">
+                <a:solidFill>
+                  <a:srgbClr val="C00000"/>
+                </a:solidFill>
+                <a:latin typeface="Cambria" panose="02040503050406030204" pitchFamily="18" charset="0"/>
+                <a:ea typeface="Cambria" panose="02040503050406030204" pitchFamily="18" charset="0"/>
+              </a:rPr>
+              <a:t>actionLink</a:t>
+            </a:r>
+            <a:endParaRPr lang="en-US" sz="1400" i="1" dirty="0">
+              <a:solidFill>
+                <a:srgbClr val="C00000"/>
+              </a:solidFill>
+              <a:latin typeface="Cambria" panose="02040503050406030204" pitchFamily="18" charset="0"/>
+              <a:ea typeface="Cambria" panose="02040503050406030204" pitchFamily="18" charset="0"/>
+            </a:endParaRPr>
+          </a:p>
+        </p:txBody>
+      </p:sp>
+      <p:sp>
+        <p:nvSpPr>
+          <p:cNvPr id="41" name="Rectangle 40"/>
+          <p:cNvSpPr/>
+          <p:nvPr/>
+        </p:nvSpPr>
+        <p:spPr>
+          <a:xfrm>
+            <a:off x="2309813" y="1319498"/>
+            <a:ext cx="1443793" cy="307777"/>
+          </a:xfrm>
+          <a:prstGeom prst="rect">
+            <a:avLst/>
+          </a:prstGeom>
+          <a:noFill/>
+        </p:spPr>
+        <p:txBody>
+          <a:bodyPr wrap="none" rtlCol="0">
+            <a:spAutoFit/>
+          </a:bodyPr>
+          <a:lstStyle/>
+          <a:p>
+            <a:r>
+              <a:rPr lang="en-US" sz="1400" b="1" dirty="0" err="1">
+                <a:solidFill>
+                  <a:srgbClr val="0070C0"/>
+                </a:solidFill>
+                <a:latin typeface="Cambria" panose="02040503050406030204" pitchFamily="18" charset="0"/>
+                <a:ea typeface="Cambria" panose="02040503050406030204" pitchFamily="18" charset="0"/>
+              </a:rPr>
+              <a:t>observeEvent</a:t>
+            </a:r>
+            <a:r>
+              <a:rPr lang="en-US" sz="1400" b="1" dirty="0">
+                <a:solidFill>
+                  <a:srgbClr val="0070C0"/>
+                </a:solidFill>
+                <a:latin typeface="Cambria" panose="02040503050406030204" pitchFamily="18" charset="0"/>
+                <a:ea typeface="Cambria" panose="02040503050406030204" pitchFamily="18" charset="0"/>
+              </a:rPr>
+              <a:t>()</a:t>
+            </a:r>
+          </a:p>
+        </p:txBody>
+      </p:sp>
+      <p:cxnSp>
+        <p:nvCxnSpPr>
+          <p:cNvPr id="42" name="Straight Arrow Connector 41"/>
+          <p:cNvCxnSpPr>
+            <a:stCxn id="40" idx="3"/>
+            <a:endCxn id="41" idx="1"/>
+          </p:cNvCxnSpPr>
+          <p:nvPr/>
+        </p:nvCxnSpPr>
+        <p:spPr>
+          <a:xfrm>
+            <a:off x="1804340" y="1053230"/>
+            <a:ext cx="505473" cy="420157"/>
+          </a:xfrm>
+          <a:prstGeom prst="straightConnector1">
+            <a:avLst/>
+          </a:prstGeom>
+          <a:ln>
+            <a:tailEnd type="triangle"/>
+          </a:ln>
+        </p:spPr>
+        <p:style>
+          <a:lnRef idx="1">
+            <a:schemeClr val="dk1"/>
+          </a:lnRef>
+          <a:fillRef idx="0">
+            <a:schemeClr val="dk1"/>
+          </a:fillRef>
+          <a:effectRef idx="0">
+            <a:schemeClr val="dk1"/>
+          </a:effectRef>
+          <a:fontRef idx="minor">
+            <a:schemeClr val="tx1"/>
+          </a:fontRef>
+        </p:style>
+      </p:cxnSp>
+      <p:cxnSp>
+        <p:nvCxnSpPr>
+          <p:cNvPr id="44" name="Straight Arrow Connector 43"/>
+          <p:cNvCxnSpPr/>
+          <p:nvPr/>
+        </p:nvCxnSpPr>
+        <p:spPr>
+          <a:xfrm>
+            <a:off x="3597736" y="1724292"/>
+            <a:ext cx="386435" cy="1146719"/>
+          </a:xfrm>
+          <a:prstGeom prst="straightConnector1">
+            <a:avLst/>
+          </a:prstGeom>
+          <a:ln>
+            <a:tailEnd type="triangle"/>
+          </a:ln>
+        </p:spPr>
+        <p:style>
+          <a:lnRef idx="1">
+            <a:schemeClr val="dk1"/>
+          </a:lnRef>
+          <a:fillRef idx="0">
+            <a:schemeClr val="dk1"/>
+          </a:fillRef>
+          <a:effectRef idx="0">
+            <a:schemeClr val="dk1"/>
+          </a:effectRef>
+          <a:fontRef idx="minor">
+            <a:schemeClr val="tx1"/>
+          </a:fontRef>
+        </p:style>
+      </p:cxnSp>
+      <p:sp>
+        <p:nvSpPr>
+          <p:cNvPr id="45" name="Rectangle 44"/>
+          <p:cNvSpPr/>
+          <p:nvPr/>
+        </p:nvSpPr>
+        <p:spPr>
+          <a:xfrm>
+            <a:off x="7425305" y="4119890"/>
+            <a:ext cx="1135439" cy="523220"/>
+          </a:xfrm>
+          <a:prstGeom prst="rect">
+            <a:avLst/>
+          </a:prstGeom>
+          <a:noFill/>
+        </p:spPr>
+        <p:txBody>
+          <a:bodyPr wrap="none" rtlCol="0">
+            <a:spAutoFit/>
+          </a:bodyPr>
+          <a:lstStyle/>
+          <a:p>
+            <a:r>
+              <a:rPr lang="en-US" sz="1400" b="1" dirty="0" err="1" smtClean="0">
+                <a:solidFill>
+                  <a:srgbClr val="7030A0"/>
+                </a:solidFill>
+                <a:latin typeface="Cambria" panose="02040503050406030204" pitchFamily="18" charset="0"/>
+                <a:ea typeface="Cambria" panose="02040503050406030204" pitchFamily="18" charset="0"/>
+              </a:rPr>
+              <a:t>profile_plot</a:t>
+            </a:r>
+            <a:r>
+              <a:rPr lang="en-US" sz="1400" b="1" dirty="0" smtClean="0">
+                <a:solidFill>
+                  <a:srgbClr val="7030A0"/>
+                </a:solidFill>
+                <a:latin typeface="Cambria" panose="02040503050406030204" pitchFamily="18" charset="0"/>
+                <a:ea typeface="Cambria" panose="02040503050406030204" pitchFamily="18" charset="0"/>
+              </a:rPr>
+              <a:t/>
+            </a:r>
+            <a:br>
+              <a:rPr lang="en-US" sz="1400" b="1" dirty="0" smtClean="0">
+                <a:solidFill>
+                  <a:srgbClr val="7030A0"/>
+                </a:solidFill>
+                <a:latin typeface="Cambria" panose="02040503050406030204" pitchFamily="18" charset="0"/>
+                <a:ea typeface="Cambria" panose="02040503050406030204" pitchFamily="18" charset="0"/>
+              </a:rPr>
+            </a:br>
+            <a:r>
+              <a:rPr lang="en-US" sz="1400" i="1" dirty="0" err="1" smtClean="0">
+                <a:solidFill>
+                  <a:srgbClr val="7030A0"/>
+                </a:solidFill>
+                <a:latin typeface="Cambria" panose="02040503050406030204" pitchFamily="18" charset="0"/>
+                <a:ea typeface="Cambria" panose="02040503050406030204" pitchFamily="18" charset="0"/>
+              </a:rPr>
+              <a:t>plotOutput</a:t>
+            </a:r>
+            <a:endParaRPr lang="en-US" sz="1400" i="1" dirty="0">
+              <a:solidFill>
+                <a:srgbClr val="7030A0"/>
+              </a:solidFill>
+              <a:latin typeface="Cambria" panose="02040503050406030204" pitchFamily="18" charset="0"/>
+              <a:ea typeface="Cambria" panose="02040503050406030204" pitchFamily="18" charset="0"/>
+            </a:endParaRPr>
+          </a:p>
+        </p:txBody>
+      </p:sp>
+      <p:cxnSp>
+        <p:nvCxnSpPr>
+          <p:cNvPr id="47" name="Straight Arrow Connector 46"/>
+          <p:cNvCxnSpPr/>
+          <p:nvPr/>
+        </p:nvCxnSpPr>
+        <p:spPr>
+          <a:xfrm>
+            <a:off x="6744935" y="4089907"/>
+            <a:ext cx="601561" cy="313994"/>
+          </a:xfrm>
+          <a:prstGeom prst="straightConnector1">
+            <a:avLst/>
+          </a:prstGeom>
+          <a:ln>
+            <a:tailEnd type="triangle"/>
+          </a:ln>
+        </p:spPr>
+        <p:style>
+          <a:lnRef idx="1">
+            <a:schemeClr val="dk1"/>
+          </a:lnRef>
+          <a:fillRef idx="0">
+            <a:schemeClr val="dk1"/>
+          </a:fillRef>
+          <a:effectRef idx="0">
+            <a:schemeClr val="dk1"/>
+          </a:effectRef>
+          <a:fontRef idx="minor">
+            <a:schemeClr val="tx1"/>
+          </a:fontRef>
+        </p:style>
+      </p:cxnSp>
+      <p:sp>
+        <p:nvSpPr>
+          <p:cNvPr id="51" name="Rectangle 50"/>
+          <p:cNvSpPr/>
+          <p:nvPr/>
+        </p:nvSpPr>
+        <p:spPr>
+          <a:xfrm>
+            <a:off x="5508122" y="3782130"/>
+            <a:ext cx="1236813" cy="307777"/>
+          </a:xfrm>
+          <a:prstGeom prst="rect">
+            <a:avLst/>
+          </a:prstGeom>
+          <a:noFill/>
+        </p:spPr>
+        <p:txBody>
+          <a:bodyPr wrap="none" rtlCol="0">
+            <a:spAutoFit/>
+          </a:bodyPr>
+          <a:lstStyle/>
+          <a:p>
+            <a:r>
+              <a:rPr lang="en-US" sz="1400" b="1" dirty="0" err="1" smtClean="0">
+                <a:solidFill>
+                  <a:schemeClr val="accent6">
+                    <a:lumMod val="75000"/>
+                  </a:schemeClr>
+                </a:solidFill>
+                <a:latin typeface="Cambria" panose="02040503050406030204" pitchFamily="18" charset="0"/>
+                <a:ea typeface="Cambria" panose="02040503050406030204" pitchFamily="18" charset="0"/>
+              </a:rPr>
+              <a:t>renderPlot</a:t>
+            </a:r>
+            <a:r>
+              <a:rPr lang="en-US" sz="1400" b="1" dirty="0" smtClean="0">
+                <a:solidFill>
+                  <a:schemeClr val="accent6">
+                    <a:lumMod val="75000"/>
+                  </a:schemeClr>
+                </a:solidFill>
+                <a:latin typeface="Cambria" panose="02040503050406030204" pitchFamily="18" charset="0"/>
+                <a:ea typeface="Cambria" panose="02040503050406030204" pitchFamily="18" charset="0"/>
+              </a:rPr>
+              <a:t>()</a:t>
+            </a:r>
+            <a:endParaRPr lang="en-US" sz="1400" i="1" dirty="0">
+              <a:solidFill>
+                <a:schemeClr val="accent6">
+                  <a:lumMod val="75000"/>
+                </a:schemeClr>
+              </a:solidFill>
+              <a:latin typeface="Cambria" panose="02040503050406030204" pitchFamily="18" charset="0"/>
+              <a:ea typeface="Cambria" panose="02040503050406030204" pitchFamily="18" charset="0"/>
+            </a:endParaRPr>
+          </a:p>
+        </p:txBody>
+      </p:sp>
+      <p:cxnSp>
+        <p:nvCxnSpPr>
+          <p:cNvPr id="54" name="Straight Arrow Connector 53"/>
+          <p:cNvCxnSpPr/>
+          <p:nvPr/>
+        </p:nvCxnSpPr>
+        <p:spPr>
+          <a:xfrm>
+            <a:off x="5143135" y="3599175"/>
+            <a:ext cx="364987" cy="310405"/>
+          </a:xfrm>
+          <a:prstGeom prst="straightConnector1">
+            <a:avLst/>
+          </a:prstGeom>
+          <a:ln>
+            <a:tailEnd type="triangle"/>
+          </a:ln>
+        </p:spPr>
+        <p:style>
+          <a:lnRef idx="1">
+            <a:schemeClr val="dk1"/>
+          </a:lnRef>
+          <a:fillRef idx="0">
+            <a:schemeClr val="dk1"/>
+          </a:fillRef>
+          <a:effectRef idx="0">
+            <a:schemeClr val="dk1"/>
+          </a:effectRef>
+          <a:fontRef idx="minor">
+            <a:schemeClr val="tx1"/>
+          </a:fontRef>
+        </p:style>
+      </p:cxnSp>
     </p:spTree>
     <p:extLst>
       <p:ext uri="{BB962C8B-B14F-4D97-AF65-F5344CB8AC3E}">
-        <p14:creationId xmlns:p14="http://schemas.microsoft.com/office/powerpoint/2010/main" val="1027477458"/>
+        <p14:creationId xmlns:p14="http://schemas.microsoft.com/office/powerpoint/2010/main" val="2738331979"/>
       </p:ext>
     </p:extLst>
   </p:cSld>
@@ -6331,6 +6734,1676 @@
     <p:extLst>
       <p:ext uri="{BB962C8B-B14F-4D97-AF65-F5344CB8AC3E}">
         <p14:creationId xmlns:p14="http://schemas.microsoft.com/office/powerpoint/2010/main" val="3543169813"/>
+      </p:ext>
+    </p:extLst>
+  </p:cSld>
+  <p:clrMapOvr>
+    <a:masterClrMapping/>
+  </p:clrMapOvr>
+  <p:timing>
+    <p:tnLst>
+      <p:par>
+        <p:cTn id="1" dur="indefinite" restart="never" nodeType="tmRoot"/>
+      </p:par>
+    </p:tnLst>
+  </p:timing>
+</p:sld>
+</file>
+
+<file path=ppt/slides/slide3.xml><?xml version="1.0" encoding="utf-8"?>
+<p:sld xmlns:a="http://schemas.openxmlformats.org/drawingml/2006/main" xmlns:r="http://schemas.openxmlformats.org/officeDocument/2006/relationships" xmlns:p="http://schemas.openxmlformats.org/presentationml/2006/main">
+  <p:cSld>
+    <p:spTree>
+      <p:nvGrpSpPr>
+        <p:cNvPr id="1" name=""/>
+        <p:cNvGrpSpPr/>
+        <p:nvPr/>
+      </p:nvGrpSpPr>
+      <p:grpSpPr>
+        <a:xfrm>
+          <a:off x="0" y="0"/>
+          <a:ext cx="0" cy="0"/>
+          <a:chOff x="0" y="0"/>
+          <a:chExt cx="0" cy="0"/>
+        </a:xfrm>
+      </p:grpSpPr>
+      <p:sp>
+        <p:nvSpPr>
+          <p:cNvPr id="7" name="Rectangle 6"/>
+          <p:cNvSpPr/>
+          <p:nvPr/>
+        </p:nvSpPr>
+        <p:spPr>
+          <a:xfrm>
+            <a:off x="772168" y="684937"/>
+            <a:ext cx="1177245" cy="523220"/>
+          </a:xfrm>
+          <a:prstGeom prst="rect">
+            <a:avLst/>
+          </a:prstGeom>
+          <a:noFill/>
+        </p:spPr>
+        <p:txBody>
+          <a:bodyPr wrap="none" rtlCol="0">
+            <a:spAutoFit/>
+          </a:bodyPr>
+          <a:lstStyle/>
+          <a:p>
+            <a:r>
+              <a:rPr lang="en-US" sz="1400" b="1" dirty="0" err="1" smtClean="0">
+                <a:solidFill>
+                  <a:srgbClr val="C00000"/>
+                </a:solidFill>
+                <a:latin typeface="Cambria" panose="02040503050406030204" pitchFamily="18" charset="0"/>
+                <a:ea typeface="Cambria" panose="02040503050406030204" pitchFamily="18" charset="0"/>
+              </a:rPr>
+              <a:t>excelupload</a:t>
+            </a:r>
+            <a:endParaRPr lang="en-US" sz="1400" b="1" dirty="0">
+              <a:solidFill>
+                <a:srgbClr val="C00000"/>
+              </a:solidFill>
+              <a:latin typeface="Cambria" panose="02040503050406030204" pitchFamily="18" charset="0"/>
+              <a:ea typeface="Cambria" panose="02040503050406030204" pitchFamily="18" charset="0"/>
+            </a:endParaRPr>
+          </a:p>
+          <a:p>
+            <a:r>
+              <a:rPr lang="en-US" sz="1400" i="1" dirty="0">
+                <a:solidFill>
+                  <a:srgbClr val="C00000"/>
+                </a:solidFill>
+                <a:latin typeface="Cambria" panose="02040503050406030204" pitchFamily="18" charset="0"/>
+                <a:ea typeface="Cambria" panose="02040503050406030204" pitchFamily="18" charset="0"/>
+              </a:rPr>
+              <a:t>fileInput</a:t>
+            </a:r>
+          </a:p>
+        </p:txBody>
+      </p:sp>
+      <p:cxnSp>
+        <p:nvCxnSpPr>
+          <p:cNvPr id="23" name="Straight Arrow Connector 22"/>
+          <p:cNvCxnSpPr>
+            <a:stCxn id="7" idx="3"/>
+          </p:cNvCxnSpPr>
+          <p:nvPr/>
+        </p:nvCxnSpPr>
+        <p:spPr>
+          <a:xfrm>
+            <a:off x="1949413" y="946547"/>
+            <a:ext cx="1332903" cy="572114"/>
+          </a:xfrm>
+          <a:prstGeom prst="straightConnector1">
+            <a:avLst/>
+          </a:prstGeom>
+          <a:ln>
+            <a:tailEnd type="triangle"/>
+          </a:ln>
+        </p:spPr>
+        <p:style>
+          <a:lnRef idx="1">
+            <a:schemeClr val="dk1"/>
+          </a:lnRef>
+          <a:fillRef idx="0">
+            <a:schemeClr val="dk1"/>
+          </a:fillRef>
+          <a:effectRef idx="0">
+            <a:schemeClr val="dk1"/>
+          </a:effectRef>
+          <a:fontRef idx="minor">
+            <a:schemeClr val="tx1"/>
+          </a:fontRef>
+        </p:style>
+      </p:cxnSp>
+      <p:cxnSp>
+        <p:nvCxnSpPr>
+          <p:cNvPr id="52" name="Straight Arrow Connector 51"/>
+          <p:cNvCxnSpPr/>
+          <p:nvPr/>
+        </p:nvCxnSpPr>
+        <p:spPr>
+          <a:xfrm flipV="1">
+            <a:off x="7305235" y="2149263"/>
+            <a:ext cx="147430" cy="461373"/>
+          </a:xfrm>
+          <a:prstGeom prst="straightConnector1">
+            <a:avLst/>
+          </a:prstGeom>
+          <a:ln>
+            <a:tailEnd type="triangle"/>
+          </a:ln>
+        </p:spPr>
+        <p:style>
+          <a:lnRef idx="1">
+            <a:schemeClr val="dk1"/>
+          </a:lnRef>
+          <a:fillRef idx="0">
+            <a:schemeClr val="dk1"/>
+          </a:fillRef>
+          <a:effectRef idx="0">
+            <a:schemeClr val="dk1"/>
+          </a:effectRef>
+          <a:fontRef idx="minor">
+            <a:schemeClr val="tx1"/>
+          </a:fontRef>
+        </p:style>
+      </p:cxnSp>
+      <p:cxnSp>
+        <p:nvCxnSpPr>
+          <p:cNvPr id="53" name="Straight Arrow Connector 52"/>
+          <p:cNvCxnSpPr/>
+          <p:nvPr/>
+        </p:nvCxnSpPr>
+        <p:spPr>
+          <a:xfrm>
+            <a:off x="16123113" y="5776601"/>
+            <a:ext cx="721315" cy="35758"/>
+          </a:xfrm>
+          <a:prstGeom prst="straightConnector1">
+            <a:avLst/>
+          </a:prstGeom>
+          <a:ln>
+            <a:tailEnd type="triangle"/>
+          </a:ln>
+        </p:spPr>
+        <p:style>
+          <a:lnRef idx="1">
+            <a:schemeClr val="dk1"/>
+          </a:lnRef>
+          <a:fillRef idx="0">
+            <a:schemeClr val="dk1"/>
+          </a:fillRef>
+          <a:effectRef idx="0">
+            <a:schemeClr val="dk1"/>
+          </a:effectRef>
+          <a:fontRef idx="minor">
+            <a:schemeClr val="tx1"/>
+          </a:fontRef>
+        </p:style>
+      </p:cxnSp>
+      <p:sp>
+        <p:nvSpPr>
+          <p:cNvPr id="28" name="Rectangle 27"/>
+          <p:cNvSpPr/>
+          <p:nvPr/>
+        </p:nvSpPr>
+        <p:spPr>
+          <a:xfrm>
+            <a:off x="736293" y="1762161"/>
+            <a:ext cx="1242648" cy="523220"/>
+          </a:xfrm>
+          <a:prstGeom prst="rect">
+            <a:avLst/>
+          </a:prstGeom>
+          <a:noFill/>
+        </p:spPr>
+        <p:txBody>
+          <a:bodyPr wrap="none" rtlCol="0">
+            <a:spAutoFit/>
+          </a:bodyPr>
+          <a:lstStyle/>
+          <a:p>
+            <a:r>
+              <a:rPr lang="en-US" sz="1400" b="1" dirty="0" err="1" smtClean="0">
+                <a:solidFill>
+                  <a:srgbClr val="C00000"/>
+                </a:solidFill>
+                <a:latin typeface="Cambria" panose="02040503050406030204" pitchFamily="18" charset="0"/>
+                <a:ea typeface="Cambria" panose="02040503050406030204" pitchFamily="18" charset="0"/>
+              </a:rPr>
+              <a:t>PondDepth</a:t>
+            </a:r>
+            <a:endParaRPr lang="en-US" sz="1400" b="1" dirty="0">
+              <a:solidFill>
+                <a:srgbClr val="C00000"/>
+              </a:solidFill>
+              <a:latin typeface="Cambria" panose="02040503050406030204" pitchFamily="18" charset="0"/>
+              <a:ea typeface="Cambria" panose="02040503050406030204" pitchFamily="18" charset="0"/>
+            </a:endParaRPr>
+          </a:p>
+          <a:p>
+            <a:r>
+              <a:rPr lang="en-US" sz="1400" dirty="0" err="1">
+                <a:solidFill>
+                  <a:srgbClr val="C00000"/>
+                </a:solidFill>
+                <a:latin typeface="Cambria" panose="02040503050406030204" pitchFamily="18" charset="0"/>
+                <a:ea typeface="Cambria" panose="02040503050406030204" pitchFamily="18" charset="0"/>
+              </a:rPr>
+              <a:t>numericInput</a:t>
+            </a:r>
+            <a:endParaRPr lang="en-US" sz="1400" dirty="0">
+              <a:solidFill>
+                <a:srgbClr val="C00000"/>
+              </a:solidFill>
+              <a:latin typeface="Cambria" panose="02040503050406030204" pitchFamily="18" charset="0"/>
+              <a:ea typeface="Cambria" panose="02040503050406030204" pitchFamily="18" charset="0"/>
+            </a:endParaRPr>
+          </a:p>
+        </p:txBody>
+      </p:sp>
+      <p:sp>
+        <p:nvSpPr>
+          <p:cNvPr id="29" name="Rectangle 28"/>
+          <p:cNvSpPr/>
+          <p:nvPr/>
+        </p:nvSpPr>
+        <p:spPr>
+          <a:xfrm>
+            <a:off x="772168" y="2629733"/>
+            <a:ext cx="1242648" cy="523220"/>
+          </a:xfrm>
+          <a:prstGeom prst="rect">
+            <a:avLst/>
+          </a:prstGeom>
+          <a:noFill/>
+        </p:spPr>
+        <p:txBody>
+          <a:bodyPr wrap="none" rtlCol="0">
+            <a:spAutoFit/>
+          </a:bodyPr>
+          <a:lstStyle/>
+          <a:p>
+            <a:r>
+              <a:rPr lang="en-US" sz="1400" b="1" dirty="0" err="1" smtClean="0">
+                <a:solidFill>
+                  <a:srgbClr val="C00000"/>
+                </a:solidFill>
+                <a:latin typeface="Cambria" panose="02040503050406030204" pitchFamily="18" charset="0"/>
+                <a:ea typeface="Cambria" panose="02040503050406030204" pitchFamily="18" charset="0"/>
+              </a:rPr>
+              <a:t>PondSurface</a:t>
+            </a:r>
+            <a:endParaRPr lang="en-US" sz="1400" b="1" dirty="0">
+              <a:solidFill>
+                <a:srgbClr val="C00000"/>
+              </a:solidFill>
+              <a:latin typeface="Cambria" panose="02040503050406030204" pitchFamily="18" charset="0"/>
+              <a:ea typeface="Cambria" panose="02040503050406030204" pitchFamily="18" charset="0"/>
+            </a:endParaRPr>
+          </a:p>
+          <a:p>
+            <a:r>
+              <a:rPr lang="en-US" sz="1400" dirty="0" err="1">
+                <a:solidFill>
+                  <a:srgbClr val="C00000"/>
+                </a:solidFill>
+                <a:latin typeface="Cambria" panose="02040503050406030204" pitchFamily="18" charset="0"/>
+                <a:ea typeface="Cambria" panose="02040503050406030204" pitchFamily="18" charset="0"/>
+              </a:rPr>
+              <a:t>numericInput</a:t>
+            </a:r>
+            <a:endParaRPr lang="en-US" sz="1400" dirty="0">
+              <a:solidFill>
+                <a:srgbClr val="C00000"/>
+              </a:solidFill>
+              <a:latin typeface="Cambria" panose="02040503050406030204" pitchFamily="18" charset="0"/>
+              <a:ea typeface="Cambria" panose="02040503050406030204" pitchFamily="18" charset="0"/>
+            </a:endParaRPr>
+          </a:p>
+        </p:txBody>
+      </p:sp>
+      <p:sp>
+        <p:nvSpPr>
+          <p:cNvPr id="31" name="Rectangle 30"/>
+          <p:cNvSpPr/>
+          <p:nvPr/>
+        </p:nvSpPr>
+        <p:spPr>
+          <a:xfrm>
+            <a:off x="772168" y="3479195"/>
+            <a:ext cx="1170898" cy="523220"/>
+          </a:xfrm>
+          <a:prstGeom prst="rect">
+            <a:avLst/>
+          </a:prstGeom>
+          <a:noFill/>
+        </p:spPr>
+        <p:txBody>
+          <a:bodyPr wrap="none" rtlCol="0">
+            <a:spAutoFit/>
+          </a:bodyPr>
+          <a:lstStyle/>
+          <a:p>
+            <a:r>
+              <a:rPr lang="en-US" sz="1400" b="1" dirty="0" smtClean="0">
+                <a:solidFill>
+                  <a:srgbClr val="C00000"/>
+                </a:solidFill>
+                <a:latin typeface="Cambria" panose="02040503050406030204" pitchFamily="18" charset="0"/>
+                <a:ea typeface="Cambria" panose="02040503050406030204" pitchFamily="18" charset="0"/>
+              </a:rPr>
+              <a:t>update</a:t>
+            </a:r>
+          </a:p>
+          <a:p>
+            <a:r>
+              <a:rPr lang="en-US" sz="1400" i="1" dirty="0" smtClean="0">
+                <a:solidFill>
+                  <a:srgbClr val="C00000"/>
+                </a:solidFill>
+                <a:latin typeface="Cambria" panose="02040503050406030204" pitchFamily="18" charset="0"/>
+                <a:ea typeface="Cambria" panose="02040503050406030204" pitchFamily="18" charset="0"/>
+              </a:rPr>
+              <a:t>actionButton</a:t>
+            </a:r>
+            <a:endParaRPr lang="en-US" sz="1400" i="1" dirty="0">
+              <a:solidFill>
+                <a:srgbClr val="C00000"/>
+              </a:solidFill>
+              <a:latin typeface="Cambria" panose="02040503050406030204" pitchFamily="18" charset="0"/>
+              <a:ea typeface="Cambria" panose="02040503050406030204" pitchFamily="18" charset="0"/>
+            </a:endParaRPr>
+          </a:p>
+        </p:txBody>
+      </p:sp>
+      <p:sp>
+        <p:nvSpPr>
+          <p:cNvPr id="32" name="Rectangle 31"/>
+          <p:cNvSpPr/>
+          <p:nvPr/>
+        </p:nvSpPr>
+        <p:spPr>
+          <a:xfrm>
+            <a:off x="625865" y="6080343"/>
+            <a:ext cx="1242648" cy="523220"/>
+          </a:xfrm>
+          <a:prstGeom prst="rect">
+            <a:avLst/>
+          </a:prstGeom>
+          <a:noFill/>
+        </p:spPr>
+        <p:txBody>
+          <a:bodyPr wrap="none" rtlCol="0">
+            <a:spAutoFit/>
+          </a:bodyPr>
+          <a:lstStyle/>
+          <a:p>
+            <a:r>
+              <a:rPr lang="en-US" sz="1400" b="1" dirty="0" smtClean="0">
+                <a:solidFill>
+                  <a:srgbClr val="C00000"/>
+                </a:solidFill>
+                <a:latin typeface="Cambria" panose="02040503050406030204" pitchFamily="18" charset="0"/>
+                <a:ea typeface="Cambria" panose="02040503050406030204" pitchFamily="18" charset="0"/>
+              </a:rPr>
+              <a:t>text1</a:t>
+            </a:r>
+            <a:endParaRPr lang="en-US" sz="1400" b="1" dirty="0">
+              <a:solidFill>
+                <a:srgbClr val="C00000"/>
+              </a:solidFill>
+              <a:latin typeface="Cambria" panose="02040503050406030204" pitchFamily="18" charset="0"/>
+              <a:ea typeface="Cambria" panose="02040503050406030204" pitchFamily="18" charset="0"/>
+            </a:endParaRPr>
+          </a:p>
+          <a:p>
+            <a:r>
+              <a:rPr lang="en-US" sz="1400" dirty="0" err="1">
+                <a:solidFill>
+                  <a:srgbClr val="C00000"/>
+                </a:solidFill>
+                <a:latin typeface="Cambria" panose="02040503050406030204" pitchFamily="18" charset="0"/>
+                <a:ea typeface="Cambria" panose="02040503050406030204" pitchFamily="18" charset="0"/>
+              </a:rPr>
+              <a:t>numericInput</a:t>
+            </a:r>
+            <a:endParaRPr lang="en-US" sz="1400" dirty="0">
+              <a:solidFill>
+                <a:srgbClr val="C00000"/>
+              </a:solidFill>
+              <a:latin typeface="Cambria" panose="02040503050406030204" pitchFamily="18" charset="0"/>
+              <a:ea typeface="Cambria" panose="02040503050406030204" pitchFamily="18" charset="0"/>
+            </a:endParaRPr>
+          </a:p>
+        </p:txBody>
+      </p:sp>
+      <p:sp>
+        <p:nvSpPr>
+          <p:cNvPr id="33" name="Rectangle 32"/>
+          <p:cNvSpPr/>
+          <p:nvPr/>
+        </p:nvSpPr>
+        <p:spPr>
+          <a:xfrm>
+            <a:off x="612392" y="5383052"/>
+            <a:ext cx="1170898" cy="523220"/>
+          </a:xfrm>
+          <a:prstGeom prst="rect">
+            <a:avLst/>
+          </a:prstGeom>
+          <a:noFill/>
+        </p:spPr>
+        <p:txBody>
+          <a:bodyPr wrap="none" rtlCol="0">
+            <a:spAutoFit/>
+          </a:bodyPr>
+          <a:lstStyle/>
+          <a:p>
+            <a:r>
+              <a:rPr lang="en-US" sz="1400" b="1" dirty="0">
+                <a:solidFill>
+                  <a:srgbClr val="C00000"/>
+                </a:solidFill>
+                <a:latin typeface="Cambria" panose="02040503050406030204" pitchFamily="18" charset="0"/>
+                <a:ea typeface="Cambria" panose="02040503050406030204" pitchFamily="18" charset="0"/>
+              </a:rPr>
+              <a:t>calculate</a:t>
+            </a:r>
+            <a:endParaRPr lang="en-US" sz="1400" b="1" dirty="0" smtClean="0">
+              <a:solidFill>
+                <a:srgbClr val="C00000"/>
+              </a:solidFill>
+              <a:latin typeface="Cambria" panose="02040503050406030204" pitchFamily="18" charset="0"/>
+              <a:ea typeface="Cambria" panose="02040503050406030204" pitchFamily="18" charset="0"/>
+            </a:endParaRPr>
+          </a:p>
+          <a:p>
+            <a:r>
+              <a:rPr lang="en-US" sz="1400" i="1" dirty="0" smtClean="0">
+                <a:solidFill>
+                  <a:srgbClr val="C00000"/>
+                </a:solidFill>
+                <a:latin typeface="Cambria" panose="02040503050406030204" pitchFamily="18" charset="0"/>
+                <a:ea typeface="Cambria" panose="02040503050406030204" pitchFamily="18" charset="0"/>
+              </a:rPr>
+              <a:t>actionButton</a:t>
+            </a:r>
+            <a:endParaRPr lang="en-US" sz="1400" i="1" dirty="0">
+              <a:solidFill>
+                <a:srgbClr val="C00000"/>
+              </a:solidFill>
+              <a:latin typeface="Cambria" panose="02040503050406030204" pitchFamily="18" charset="0"/>
+              <a:ea typeface="Cambria" panose="02040503050406030204" pitchFamily="18" charset="0"/>
+            </a:endParaRPr>
+          </a:p>
+        </p:txBody>
+      </p:sp>
+      <p:sp>
+        <p:nvSpPr>
+          <p:cNvPr id="36" name="Rectangle 35"/>
+          <p:cNvSpPr/>
+          <p:nvPr/>
+        </p:nvSpPr>
+        <p:spPr>
+          <a:xfrm>
+            <a:off x="7397112" y="1569899"/>
+            <a:ext cx="1746888" cy="523220"/>
+          </a:xfrm>
+          <a:prstGeom prst="rect">
+            <a:avLst/>
+          </a:prstGeom>
+          <a:noFill/>
+        </p:spPr>
+        <p:txBody>
+          <a:bodyPr wrap="none" rtlCol="0">
+            <a:spAutoFit/>
+          </a:bodyPr>
+          <a:lstStyle/>
+          <a:p>
+            <a:r>
+              <a:rPr lang="en-US" sz="1400" b="1" dirty="0" err="1" smtClean="0">
+                <a:solidFill>
+                  <a:srgbClr val="7030A0"/>
+                </a:solidFill>
+                <a:latin typeface="Cambria" panose="02040503050406030204" pitchFamily="18" charset="0"/>
+                <a:ea typeface="Cambria" panose="02040503050406030204" pitchFamily="18" charset="0"/>
+              </a:rPr>
+              <a:t>PondMeasurement</a:t>
+            </a:r>
+            <a:r>
+              <a:rPr lang="en-US" sz="1400" b="1" dirty="0" smtClean="0">
+                <a:solidFill>
+                  <a:srgbClr val="7030A0"/>
+                </a:solidFill>
+                <a:latin typeface="Cambria" panose="02040503050406030204" pitchFamily="18" charset="0"/>
+                <a:ea typeface="Cambria" panose="02040503050406030204" pitchFamily="18" charset="0"/>
+              </a:rPr>
+              <a:t/>
+            </a:r>
+            <a:br>
+              <a:rPr lang="en-US" sz="1400" b="1" dirty="0" smtClean="0">
+                <a:solidFill>
+                  <a:srgbClr val="7030A0"/>
+                </a:solidFill>
+                <a:latin typeface="Cambria" panose="02040503050406030204" pitchFamily="18" charset="0"/>
+                <a:ea typeface="Cambria" panose="02040503050406030204" pitchFamily="18" charset="0"/>
+              </a:rPr>
+            </a:br>
+            <a:r>
+              <a:rPr lang="en-US" sz="1400" i="1" dirty="0" err="1" smtClean="0">
+                <a:solidFill>
+                  <a:srgbClr val="7030A0"/>
+                </a:solidFill>
+                <a:latin typeface="Cambria" panose="02040503050406030204" pitchFamily="18" charset="0"/>
+                <a:ea typeface="Cambria" panose="02040503050406030204" pitchFamily="18" charset="0"/>
+              </a:rPr>
+              <a:t>dataTableOutput</a:t>
+            </a:r>
+            <a:endParaRPr lang="en-US" sz="1400" i="1" dirty="0">
+              <a:solidFill>
+                <a:srgbClr val="7030A0"/>
+              </a:solidFill>
+              <a:latin typeface="Cambria" panose="02040503050406030204" pitchFamily="18" charset="0"/>
+              <a:ea typeface="Cambria" panose="02040503050406030204" pitchFamily="18" charset="0"/>
+            </a:endParaRPr>
+          </a:p>
+        </p:txBody>
+      </p:sp>
+      <p:sp>
+        <p:nvSpPr>
+          <p:cNvPr id="37" name="Rectangle 36"/>
+          <p:cNvSpPr/>
+          <p:nvPr/>
+        </p:nvSpPr>
+        <p:spPr>
+          <a:xfrm>
+            <a:off x="7452665" y="4767289"/>
+            <a:ext cx="1318438" cy="523220"/>
+          </a:xfrm>
+          <a:prstGeom prst="rect">
+            <a:avLst/>
+          </a:prstGeom>
+          <a:noFill/>
+        </p:spPr>
+        <p:txBody>
+          <a:bodyPr wrap="none" rtlCol="0">
+            <a:spAutoFit/>
+          </a:bodyPr>
+          <a:lstStyle/>
+          <a:p>
+            <a:r>
+              <a:rPr lang="en-US" sz="1400" b="1" dirty="0" err="1">
+                <a:solidFill>
+                  <a:srgbClr val="7030A0"/>
+                </a:solidFill>
+                <a:latin typeface="Cambria" panose="02040503050406030204" pitchFamily="18" charset="0"/>
+                <a:ea typeface="Cambria" panose="02040503050406030204" pitchFamily="18" charset="0"/>
+              </a:rPr>
+              <a:t>PondDiagram</a:t>
+            </a:r>
+            <a:r>
+              <a:rPr lang="en-US" sz="1400" b="1" dirty="0" smtClean="0">
+                <a:solidFill>
+                  <a:srgbClr val="7030A0"/>
+                </a:solidFill>
+                <a:latin typeface="Cambria" panose="02040503050406030204" pitchFamily="18" charset="0"/>
+                <a:ea typeface="Cambria" panose="02040503050406030204" pitchFamily="18" charset="0"/>
+              </a:rPr>
+              <a:t/>
+            </a:r>
+            <a:br>
+              <a:rPr lang="en-US" sz="1400" b="1" dirty="0" smtClean="0">
+                <a:solidFill>
+                  <a:srgbClr val="7030A0"/>
+                </a:solidFill>
+                <a:latin typeface="Cambria" panose="02040503050406030204" pitchFamily="18" charset="0"/>
+                <a:ea typeface="Cambria" panose="02040503050406030204" pitchFamily="18" charset="0"/>
+              </a:rPr>
+            </a:br>
+            <a:r>
+              <a:rPr lang="en-US" sz="1400" i="1" dirty="0" err="1">
+                <a:solidFill>
+                  <a:srgbClr val="7030A0"/>
+                </a:solidFill>
+                <a:latin typeface="Cambria" panose="02040503050406030204" pitchFamily="18" charset="0"/>
+                <a:ea typeface="Cambria" panose="02040503050406030204" pitchFamily="18" charset="0"/>
+              </a:rPr>
+              <a:t>plotOutput</a:t>
+            </a:r>
+            <a:endParaRPr lang="en-US" sz="1400" i="1" dirty="0">
+              <a:solidFill>
+                <a:srgbClr val="7030A0"/>
+              </a:solidFill>
+              <a:latin typeface="Cambria" panose="02040503050406030204" pitchFamily="18" charset="0"/>
+              <a:ea typeface="Cambria" panose="02040503050406030204" pitchFamily="18" charset="0"/>
+            </a:endParaRPr>
+          </a:p>
+        </p:txBody>
+      </p:sp>
+      <p:sp>
+        <p:nvSpPr>
+          <p:cNvPr id="38" name="Rectangle 37"/>
+          <p:cNvSpPr/>
+          <p:nvPr/>
+        </p:nvSpPr>
+        <p:spPr>
+          <a:xfrm>
+            <a:off x="625865" y="4450656"/>
+            <a:ext cx="1170898" cy="523220"/>
+          </a:xfrm>
+          <a:prstGeom prst="rect">
+            <a:avLst/>
+          </a:prstGeom>
+          <a:noFill/>
+        </p:spPr>
+        <p:txBody>
+          <a:bodyPr wrap="none" rtlCol="0">
+            <a:spAutoFit/>
+          </a:bodyPr>
+          <a:lstStyle/>
+          <a:p>
+            <a:r>
+              <a:rPr lang="en-US" sz="1400" b="1" dirty="0" err="1" smtClean="0">
+                <a:solidFill>
+                  <a:srgbClr val="C00000"/>
+                </a:solidFill>
+                <a:latin typeface="Cambria" panose="02040503050406030204" pitchFamily="18" charset="0"/>
+                <a:ea typeface="Cambria" panose="02040503050406030204" pitchFamily="18" charset="0"/>
+              </a:rPr>
+              <a:t>deleteRows</a:t>
+            </a:r>
+            <a:endParaRPr lang="en-US" sz="1400" b="1" dirty="0" smtClean="0">
+              <a:solidFill>
+                <a:srgbClr val="C00000"/>
+              </a:solidFill>
+              <a:latin typeface="Cambria" panose="02040503050406030204" pitchFamily="18" charset="0"/>
+              <a:ea typeface="Cambria" panose="02040503050406030204" pitchFamily="18" charset="0"/>
+            </a:endParaRPr>
+          </a:p>
+          <a:p>
+            <a:r>
+              <a:rPr lang="en-US" sz="1400" i="1" dirty="0" err="1" smtClean="0">
+                <a:solidFill>
+                  <a:srgbClr val="C00000"/>
+                </a:solidFill>
+                <a:latin typeface="Cambria" panose="02040503050406030204" pitchFamily="18" charset="0"/>
+                <a:ea typeface="Cambria" panose="02040503050406030204" pitchFamily="18" charset="0"/>
+              </a:rPr>
+              <a:t>actionButton</a:t>
+            </a:r>
+            <a:endParaRPr lang="en-US" sz="1400" i="1" dirty="0">
+              <a:solidFill>
+                <a:srgbClr val="C00000"/>
+              </a:solidFill>
+              <a:latin typeface="Cambria" panose="02040503050406030204" pitchFamily="18" charset="0"/>
+              <a:ea typeface="Cambria" panose="02040503050406030204" pitchFamily="18" charset="0"/>
+            </a:endParaRPr>
+          </a:p>
+        </p:txBody>
+      </p:sp>
+      <p:sp>
+        <p:nvSpPr>
+          <p:cNvPr id="39" name="Rectangle 38"/>
+          <p:cNvSpPr/>
+          <p:nvPr/>
+        </p:nvSpPr>
+        <p:spPr>
+          <a:xfrm>
+            <a:off x="3869762" y="3303275"/>
+            <a:ext cx="2059666" cy="523220"/>
+          </a:xfrm>
+          <a:prstGeom prst="rect">
+            <a:avLst/>
+          </a:prstGeom>
+          <a:noFill/>
+        </p:spPr>
+        <p:txBody>
+          <a:bodyPr wrap="none" rtlCol="0">
+            <a:spAutoFit/>
+          </a:bodyPr>
+          <a:lstStyle/>
+          <a:p>
+            <a:r>
+              <a:rPr lang="en-US" sz="1400" b="1" dirty="0" err="1" smtClean="0">
+                <a:solidFill>
+                  <a:srgbClr val="0070C0"/>
+                </a:solidFill>
+                <a:latin typeface="Cambria" panose="02040503050406030204" pitchFamily="18" charset="0"/>
+                <a:ea typeface="Cambria" panose="02040503050406030204" pitchFamily="18" charset="0"/>
+              </a:rPr>
+              <a:t>values$df</a:t>
+            </a:r>
+            <a:r>
+              <a:rPr lang="en-US" sz="1400" b="1" dirty="0" smtClean="0">
+                <a:solidFill>
+                  <a:srgbClr val="0070C0"/>
+                </a:solidFill>
+                <a:latin typeface="Cambria" panose="02040503050406030204" pitchFamily="18" charset="0"/>
+                <a:ea typeface="Cambria" panose="02040503050406030204" pitchFamily="18" charset="0"/>
+              </a:rPr>
+              <a:t> (data frame)</a:t>
+            </a:r>
+            <a:endParaRPr lang="en-US" sz="1400" i="1" dirty="0" smtClean="0">
+              <a:solidFill>
+                <a:srgbClr val="0070C0"/>
+              </a:solidFill>
+              <a:latin typeface="Cambria" panose="02040503050406030204" pitchFamily="18" charset="0"/>
+              <a:ea typeface="Cambria" panose="02040503050406030204" pitchFamily="18" charset="0"/>
+            </a:endParaRPr>
+          </a:p>
+          <a:p>
+            <a:r>
+              <a:rPr lang="en-US" sz="1400" i="1" dirty="0" err="1" smtClean="0">
+                <a:solidFill>
+                  <a:srgbClr val="0070C0"/>
+                </a:solidFill>
+                <a:latin typeface="Cambria" panose="02040503050406030204" pitchFamily="18" charset="0"/>
+                <a:ea typeface="Cambria" panose="02040503050406030204" pitchFamily="18" charset="0"/>
+              </a:rPr>
+              <a:t>reactiveValues</a:t>
+            </a:r>
+            <a:endParaRPr lang="en-US" sz="1400" i="1" dirty="0">
+              <a:solidFill>
+                <a:srgbClr val="0070C0"/>
+              </a:solidFill>
+              <a:latin typeface="Cambria" panose="02040503050406030204" pitchFamily="18" charset="0"/>
+              <a:ea typeface="Cambria" panose="02040503050406030204" pitchFamily="18" charset="0"/>
+            </a:endParaRPr>
+          </a:p>
+        </p:txBody>
+      </p:sp>
+      <p:sp>
+        <p:nvSpPr>
+          <p:cNvPr id="41" name="Rectangle 40"/>
+          <p:cNvSpPr/>
+          <p:nvPr/>
+        </p:nvSpPr>
+        <p:spPr>
+          <a:xfrm>
+            <a:off x="4543554" y="603189"/>
+            <a:ext cx="1879489" cy="738664"/>
+          </a:xfrm>
+          <a:prstGeom prst="rect">
+            <a:avLst/>
+          </a:prstGeom>
+          <a:noFill/>
+        </p:spPr>
+        <p:txBody>
+          <a:bodyPr wrap="none" rtlCol="0">
+            <a:spAutoFit/>
+          </a:bodyPr>
+          <a:lstStyle/>
+          <a:p>
+            <a:r>
+              <a:rPr lang="en-US" sz="1400" b="1" dirty="0" err="1" smtClean="0">
+                <a:solidFill>
+                  <a:srgbClr val="0070C0"/>
+                </a:solidFill>
+                <a:latin typeface="Cambria" panose="02040503050406030204" pitchFamily="18" charset="0"/>
+                <a:ea typeface="Cambria" panose="02040503050406030204" pitchFamily="18" charset="0"/>
+              </a:rPr>
+              <a:t>mydata</a:t>
+            </a:r>
+            <a:r>
+              <a:rPr lang="en-US" sz="1400" b="1" dirty="0" smtClean="0">
+                <a:solidFill>
+                  <a:srgbClr val="0070C0"/>
+                </a:solidFill>
+                <a:latin typeface="Cambria" panose="02040503050406030204" pitchFamily="18" charset="0"/>
+                <a:ea typeface="Cambria" panose="02040503050406030204" pitchFamily="18" charset="0"/>
+              </a:rPr>
+              <a:t>()</a:t>
+            </a:r>
+            <a:endParaRPr lang="en-US" sz="1400" i="1" dirty="0" smtClean="0">
+              <a:solidFill>
+                <a:srgbClr val="0070C0"/>
+              </a:solidFill>
+              <a:latin typeface="Cambria" panose="02040503050406030204" pitchFamily="18" charset="0"/>
+              <a:ea typeface="Cambria" panose="02040503050406030204" pitchFamily="18" charset="0"/>
+            </a:endParaRPr>
+          </a:p>
+          <a:p>
+            <a:r>
+              <a:rPr lang="en-US" sz="1400" i="1" dirty="0" smtClean="0">
+                <a:solidFill>
+                  <a:srgbClr val="0070C0"/>
+                </a:solidFill>
+                <a:latin typeface="Cambria" panose="02040503050406030204" pitchFamily="18" charset="0"/>
+                <a:ea typeface="Cambria" panose="02040503050406030204" pitchFamily="18" charset="0"/>
+              </a:rPr>
+              <a:t>reactive, returns </a:t>
+            </a:r>
+            <a:r>
+              <a:rPr lang="en-US" sz="1400" i="1" dirty="0" err="1" smtClean="0">
+                <a:solidFill>
+                  <a:srgbClr val="0070C0"/>
+                </a:solidFill>
+                <a:latin typeface="Cambria" panose="02040503050406030204" pitchFamily="18" charset="0"/>
+                <a:ea typeface="Cambria" panose="02040503050406030204" pitchFamily="18" charset="0"/>
+              </a:rPr>
+              <a:t>tibble</a:t>
+            </a:r>
+            <a:endParaRPr lang="en-US" sz="1400" i="1" dirty="0" smtClean="0">
+              <a:solidFill>
+                <a:srgbClr val="0070C0"/>
+              </a:solidFill>
+              <a:latin typeface="Cambria" panose="02040503050406030204" pitchFamily="18" charset="0"/>
+              <a:ea typeface="Cambria" panose="02040503050406030204" pitchFamily="18" charset="0"/>
+            </a:endParaRPr>
+          </a:p>
+          <a:p>
+            <a:endParaRPr lang="en-US" sz="1400" i="1" dirty="0">
+              <a:solidFill>
+                <a:srgbClr val="0070C0"/>
+              </a:solidFill>
+              <a:latin typeface="Cambria" panose="02040503050406030204" pitchFamily="18" charset="0"/>
+              <a:ea typeface="Cambria" panose="02040503050406030204" pitchFamily="18" charset="0"/>
+            </a:endParaRPr>
+          </a:p>
+        </p:txBody>
+      </p:sp>
+      <p:sp>
+        <p:nvSpPr>
+          <p:cNvPr id="42" name="Rectangle 41"/>
+          <p:cNvSpPr/>
+          <p:nvPr/>
+        </p:nvSpPr>
+        <p:spPr>
+          <a:xfrm>
+            <a:off x="3367724" y="1462177"/>
+            <a:ext cx="1091837" cy="523220"/>
+          </a:xfrm>
+          <a:prstGeom prst="rect">
+            <a:avLst/>
+          </a:prstGeom>
+          <a:noFill/>
+        </p:spPr>
+        <p:txBody>
+          <a:bodyPr wrap="none" rtlCol="0">
+            <a:spAutoFit/>
+          </a:bodyPr>
+          <a:lstStyle/>
+          <a:p>
+            <a:r>
+              <a:rPr lang="en-US" sz="1400" b="1" dirty="0" smtClean="0">
+                <a:solidFill>
+                  <a:srgbClr val="0070C0"/>
+                </a:solidFill>
+                <a:latin typeface="Cambria" panose="02040503050406030204" pitchFamily="18" charset="0"/>
+                <a:ea typeface="Cambria" panose="02040503050406030204" pitchFamily="18" charset="0"/>
+              </a:rPr>
+              <a:t>newEntry4</a:t>
+            </a:r>
+            <a:endParaRPr lang="en-US" sz="1400" i="1" dirty="0" smtClean="0">
+              <a:solidFill>
+                <a:srgbClr val="0070C0"/>
+              </a:solidFill>
+              <a:latin typeface="Cambria" panose="02040503050406030204" pitchFamily="18" charset="0"/>
+              <a:ea typeface="Cambria" panose="02040503050406030204" pitchFamily="18" charset="0"/>
+            </a:endParaRPr>
+          </a:p>
+          <a:p>
+            <a:r>
+              <a:rPr lang="en-US" sz="1400" i="1" dirty="0" smtClean="0">
+                <a:solidFill>
+                  <a:srgbClr val="0070C0"/>
+                </a:solidFill>
+                <a:latin typeface="Cambria" panose="02040503050406030204" pitchFamily="18" charset="0"/>
+                <a:ea typeface="Cambria" panose="02040503050406030204" pitchFamily="18" charset="0"/>
+              </a:rPr>
+              <a:t>observe</a:t>
+            </a:r>
+            <a:endParaRPr lang="en-US" sz="1400" i="1" dirty="0">
+              <a:solidFill>
+                <a:srgbClr val="0070C0"/>
+              </a:solidFill>
+              <a:latin typeface="Cambria" panose="02040503050406030204" pitchFamily="18" charset="0"/>
+              <a:ea typeface="Cambria" panose="02040503050406030204" pitchFamily="18" charset="0"/>
+            </a:endParaRPr>
+          </a:p>
+        </p:txBody>
+      </p:sp>
+      <p:sp>
+        <p:nvSpPr>
+          <p:cNvPr id="43" name="Rectangle 42"/>
+          <p:cNvSpPr/>
+          <p:nvPr/>
+        </p:nvSpPr>
+        <p:spPr>
+          <a:xfrm>
+            <a:off x="2714559" y="4613401"/>
+            <a:ext cx="1443793" cy="307777"/>
+          </a:xfrm>
+          <a:prstGeom prst="rect">
+            <a:avLst/>
+          </a:prstGeom>
+          <a:noFill/>
+        </p:spPr>
+        <p:txBody>
+          <a:bodyPr wrap="none" rtlCol="0">
+            <a:spAutoFit/>
+          </a:bodyPr>
+          <a:lstStyle/>
+          <a:p>
+            <a:r>
+              <a:rPr lang="en-US" sz="1400" b="1" dirty="0" err="1">
+                <a:solidFill>
+                  <a:srgbClr val="0070C0"/>
+                </a:solidFill>
+                <a:latin typeface="Cambria" panose="02040503050406030204" pitchFamily="18" charset="0"/>
+                <a:ea typeface="Cambria" panose="02040503050406030204" pitchFamily="18" charset="0"/>
+              </a:rPr>
+              <a:t>observeEvent</a:t>
+            </a:r>
+            <a:r>
+              <a:rPr lang="en-US" sz="1400" b="1" dirty="0" smtClean="0">
+                <a:solidFill>
+                  <a:srgbClr val="0070C0"/>
+                </a:solidFill>
+                <a:latin typeface="Cambria" panose="02040503050406030204" pitchFamily="18" charset="0"/>
+                <a:ea typeface="Cambria" panose="02040503050406030204" pitchFamily="18" charset="0"/>
+              </a:rPr>
+              <a:t>()</a:t>
+            </a:r>
+          </a:p>
+        </p:txBody>
+      </p:sp>
+      <p:cxnSp>
+        <p:nvCxnSpPr>
+          <p:cNvPr id="46" name="Straight Arrow Connector 45"/>
+          <p:cNvCxnSpPr/>
+          <p:nvPr/>
+        </p:nvCxnSpPr>
+        <p:spPr>
+          <a:xfrm>
+            <a:off x="1796763" y="4679237"/>
+            <a:ext cx="864372" cy="30724"/>
+          </a:xfrm>
+          <a:prstGeom prst="straightConnector1">
+            <a:avLst/>
+          </a:prstGeom>
+          <a:ln>
+            <a:tailEnd type="triangle"/>
+          </a:ln>
+        </p:spPr>
+        <p:style>
+          <a:lnRef idx="1">
+            <a:schemeClr val="dk1"/>
+          </a:lnRef>
+          <a:fillRef idx="0">
+            <a:schemeClr val="dk1"/>
+          </a:fillRef>
+          <a:effectRef idx="0">
+            <a:schemeClr val="dk1"/>
+          </a:effectRef>
+          <a:fontRef idx="minor">
+            <a:schemeClr val="tx1"/>
+          </a:fontRef>
+        </p:style>
+      </p:cxnSp>
+      <p:cxnSp>
+        <p:nvCxnSpPr>
+          <p:cNvPr id="48" name="Straight Arrow Connector 47"/>
+          <p:cNvCxnSpPr/>
+          <p:nvPr/>
+        </p:nvCxnSpPr>
+        <p:spPr>
+          <a:xfrm flipV="1">
+            <a:off x="3662462" y="3848641"/>
+            <a:ext cx="826745" cy="764761"/>
+          </a:xfrm>
+          <a:prstGeom prst="straightConnector1">
+            <a:avLst/>
+          </a:prstGeom>
+          <a:ln>
+            <a:tailEnd type="triangle"/>
+          </a:ln>
+        </p:spPr>
+        <p:style>
+          <a:lnRef idx="1">
+            <a:schemeClr val="dk1"/>
+          </a:lnRef>
+          <a:fillRef idx="0">
+            <a:schemeClr val="dk1"/>
+          </a:fillRef>
+          <a:effectRef idx="0">
+            <a:schemeClr val="dk1"/>
+          </a:effectRef>
+          <a:fontRef idx="minor">
+            <a:schemeClr val="tx1"/>
+          </a:fontRef>
+        </p:style>
+      </p:cxnSp>
+      <p:sp>
+        <p:nvSpPr>
+          <p:cNvPr id="55" name="Rectangle 54"/>
+          <p:cNvSpPr/>
+          <p:nvPr/>
+        </p:nvSpPr>
+        <p:spPr>
+          <a:xfrm>
+            <a:off x="6168464" y="2629733"/>
+            <a:ext cx="1740541" cy="307777"/>
+          </a:xfrm>
+          <a:prstGeom prst="rect">
+            <a:avLst/>
+          </a:prstGeom>
+          <a:noFill/>
+        </p:spPr>
+        <p:txBody>
+          <a:bodyPr wrap="none" rtlCol="0">
+            <a:spAutoFit/>
+          </a:bodyPr>
+          <a:lstStyle/>
+          <a:p>
+            <a:r>
+              <a:rPr lang="en-US" sz="1400" b="1" dirty="0" err="1" smtClean="0">
+                <a:solidFill>
+                  <a:schemeClr val="accent6">
+                    <a:lumMod val="75000"/>
+                  </a:schemeClr>
+                </a:solidFill>
+                <a:latin typeface="Cambria" panose="02040503050406030204" pitchFamily="18" charset="0"/>
+                <a:ea typeface="Cambria" panose="02040503050406030204" pitchFamily="18" charset="0"/>
+              </a:rPr>
+              <a:t>renderDataTable</a:t>
+            </a:r>
+            <a:r>
+              <a:rPr lang="en-US" sz="1400" b="1" dirty="0" smtClean="0">
+                <a:solidFill>
+                  <a:schemeClr val="accent6">
+                    <a:lumMod val="75000"/>
+                  </a:schemeClr>
+                </a:solidFill>
+                <a:latin typeface="Cambria" panose="02040503050406030204" pitchFamily="18" charset="0"/>
+                <a:ea typeface="Cambria" panose="02040503050406030204" pitchFamily="18" charset="0"/>
+              </a:rPr>
+              <a:t>()</a:t>
+            </a:r>
+            <a:endParaRPr lang="en-US" sz="1400" i="1" dirty="0">
+              <a:solidFill>
+                <a:schemeClr val="accent6">
+                  <a:lumMod val="75000"/>
+                </a:schemeClr>
+              </a:solidFill>
+              <a:latin typeface="Cambria" panose="02040503050406030204" pitchFamily="18" charset="0"/>
+              <a:ea typeface="Cambria" panose="02040503050406030204" pitchFamily="18" charset="0"/>
+            </a:endParaRPr>
+          </a:p>
+        </p:txBody>
+      </p:sp>
+      <p:sp>
+        <p:nvSpPr>
+          <p:cNvPr id="56" name="Rectangle 55"/>
+          <p:cNvSpPr/>
+          <p:nvPr/>
+        </p:nvSpPr>
+        <p:spPr>
+          <a:xfrm>
+            <a:off x="2721402" y="5383052"/>
+            <a:ext cx="986039" cy="523220"/>
+          </a:xfrm>
+          <a:prstGeom prst="rect">
+            <a:avLst/>
+          </a:prstGeom>
+          <a:noFill/>
+        </p:spPr>
+        <p:txBody>
+          <a:bodyPr wrap="none" rtlCol="0">
+            <a:spAutoFit/>
+          </a:bodyPr>
+          <a:lstStyle/>
+          <a:p>
+            <a:r>
+              <a:rPr lang="en-US" sz="1400" b="1" dirty="0" err="1" smtClean="0">
+                <a:solidFill>
+                  <a:srgbClr val="0070C0"/>
+                </a:solidFill>
+                <a:latin typeface="Cambria" panose="02040503050406030204" pitchFamily="18" charset="0"/>
+                <a:ea typeface="Cambria" panose="02040503050406030204" pitchFamily="18" charset="0"/>
+              </a:rPr>
+              <a:t>newEntry</a:t>
+            </a:r>
+            <a:endParaRPr lang="en-US" sz="1400" i="1" dirty="0" smtClean="0">
+              <a:solidFill>
+                <a:srgbClr val="0070C0"/>
+              </a:solidFill>
+              <a:latin typeface="Cambria" panose="02040503050406030204" pitchFamily="18" charset="0"/>
+              <a:ea typeface="Cambria" panose="02040503050406030204" pitchFamily="18" charset="0"/>
+            </a:endParaRPr>
+          </a:p>
+          <a:p>
+            <a:r>
+              <a:rPr lang="en-US" sz="1400" i="1" dirty="0" smtClean="0">
+                <a:solidFill>
+                  <a:srgbClr val="0070C0"/>
+                </a:solidFill>
+                <a:latin typeface="Cambria" panose="02040503050406030204" pitchFamily="18" charset="0"/>
+                <a:ea typeface="Cambria" panose="02040503050406030204" pitchFamily="18" charset="0"/>
+              </a:rPr>
+              <a:t>observe</a:t>
+            </a:r>
+            <a:endParaRPr lang="en-US" sz="1400" i="1" dirty="0">
+              <a:solidFill>
+                <a:srgbClr val="0070C0"/>
+              </a:solidFill>
+              <a:latin typeface="Cambria" panose="02040503050406030204" pitchFamily="18" charset="0"/>
+              <a:ea typeface="Cambria" panose="02040503050406030204" pitchFamily="18" charset="0"/>
+            </a:endParaRPr>
+          </a:p>
+        </p:txBody>
+      </p:sp>
+      <p:cxnSp>
+        <p:nvCxnSpPr>
+          <p:cNvPr id="57" name="Straight Arrow Connector 56"/>
+          <p:cNvCxnSpPr/>
+          <p:nvPr/>
+        </p:nvCxnSpPr>
+        <p:spPr>
+          <a:xfrm>
+            <a:off x="1796428" y="5644663"/>
+            <a:ext cx="819436" cy="24198"/>
+          </a:xfrm>
+          <a:prstGeom prst="straightConnector1">
+            <a:avLst/>
+          </a:prstGeom>
+          <a:ln>
+            <a:tailEnd type="triangle"/>
+          </a:ln>
+        </p:spPr>
+        <p:style>
+          <a:lnRef idx="1">
+            <a:schemeClr val="dk1"/>
+          </a:lnRef>
+          <a:fillRef idx="0">
+            <a:schemeClr val="dk1"/>
+          </a:fillRef>
+          <a:effectRef idx="0">
+            <a:schemeClr val="dk1"/>
+          </a:effectRef>
+          <a:fontRef idx="minor">
+            <a:schemeClr val="tx1"/>
+          </a:fontRef>
+        </p:style>
+      </p:cxnSp>
+      <p:sp>
+        <p:nvSpPr>
+          <p:cNvPr id="58" name="Rectangle 57"/>
+          <p:cNvSpPr/>
+          <p:nvPr/>
+        </p:nvSpPr>
+        <p:spPr>
+          <a:xfrm>
+            <a:off x="4883550" y="5644662"/>
+            <a:ext cx="1199496" cy="523220"/>
+          </a:xfrm>
+          <a:prstGeom prst="rect">
+            <a:avLst/>
+          </a:prstGeom>
+          <a:noFill/>
+        </p:spPr>
+        <p:txBody>
+          <a:bodyPr wrap="none" rtlCol="0">
+            <a:spAutoFit/>
+          </a:bodyPr>
+          <a:lstStyle/>
+          <a:p>
+            <a:r>
+              <a:rPr lang="en-US" sz="1400" b="1" dirty="0" err="1" smtClean="0">
+                <a:solidFill>
+                  <a:srgbClr val="7030A0"/>
+                </a:solidFill>
+                <a:latin typeface="Cambria" panose="02040503050406030204" pitchFamily="18" charset="0"/>
+                <a:ea typeface="Cambria" panose="02040503050406030204" pitchFamily="18" charset="0"/>
+              </a:rPr>
+              <a:t>selected_var</a:t>
+            </a:r>
+            <a:r>
+              <a:rPr lang="en-US" sz="1400" b="1" dirty="0" smtClean="0">
+                <a:solidFill>
+                  <a:srgbClr val="7030A0"/>
+                </a:solidFill>
+                <a:latin typeface="Cambria" panose="02040503050406030204" pitchFamily="18" charset="0"/>
+                <a:ea typeface="Cambria" panose="02040503050406030204" pitchFamily="18" charset="0"/>
+              </a:rPr>
+              <a:t/>
+            </a:r>
+            <a:br>
+              <a:rPr lang="en-US" sz="1400" b="1" dirty="0" smtClean="0">
+                <a:solidFill>
+                  <a:srgbClr val="7030A0"/>
+                </a:solidFill>
+                <a:latin typeface="Cambria" panose="02040503050406030204" pitchFamily="18" charset="0"/>
+                <a:ea typeface="Cambria" panose="02040503050406030204" pitchFamily="18" charset="0"/>
+              </a:rPr>
+            </a:br>
+            <a:r>
+              <a:rPr lang="en-US" sz="1400" i="1" dirty="0" err="1" smtClean="0">
+                <a:solidFill>
+                  <a:srgbClr val="7030A0"/>
+                </a:solidFill>
+                <a:latin typeface="Cambria" panose="02040503050406030204" pitchFamily="18" charset="0"/>
+                <a:ea typeface="Cambria" panose="02040503050406030204" pitchFamily="18" charset="0"/>
+              </a:rPr>
+              <a:t>textOutput</a:t>
+            </a:r>
+            <a:endParaRPr lang="en-US" sz="1400" i="1" dirty="0">
+              <a:solidFill>
+                <a:srgbClr val="7030A0"/>
+              </a:solidFill>
+              <a:latin typeface="Cambria" panose="02040503050406030204" pitchFamily="18" charset="0"/>
+              <a:ea typeface="Cambria" panose="02040503050406030204" pitchFamily="18" charset="0"/>
+            </a:endParaRPr>
+          </a:p>
+        </p:txBody>
+      </p:sp>
+      <p:cxnSp>
+        <p:nvCxnSpPr>
+          <p:cNvPr id="59" name="Straight Arrow Connector 58"/>
+          <p:cNvCxnSpPr/>
+          <p:nvPr/>
+        </p:nvCxnSpPr>
+        <p:spPr>
+          <a:xfrm flipV="1">
+            <a:off x="3880756" y="5940818"/>
+            <a:ext cx="852291" cy="1"/>
+          </a:xfrm>
+          <a:prstGeom prst="straightConnector1">
+            <a:avLst/>
+          </a:prstGeom>
+          <a:ln>
+            <a:tailEnd type="triangle"/>
+          </a:ln>
+        </p:spPr>
+        <p:style>
+          <a:lnRef idx="1">
+            <a:schemeClr val="dk1"/>
+          </a:lnRef>
+          <a:fillRef idx="0">
+            <a:schemeClr val="dk1"/>
+          </a:fillRef>
+          <a:effectRef idx="0">
+            <a:schemeClr val="dk1"/>
+          </a:effectRef>
+          <a:fontRef idx="minor">
+            <a:schemeClr val="tx1"/>
+          </a:fontRef>
+        </p:style>
+      </p:cxnSp>
+      <p:sp>
+        <p:nvSpPr>
+          <p:cNvPr id="60" name="Rectangle 59"/>
+          <p:cNvSpPr/>
+          <p:nvPr/>
+        </p:nvSpPr>
+        <p:spPr>
+          <a:xfrm>
+            <a:off x="6083046" y="3937004"/>
+            <a:ext cx="1236813" cy="307777"/>
+          </a:xfrm>
+          <a:prstGeom prst="rect">
+            <a:avLst/>
+          </a:prstGeom>
+          <a:noFill/>
+        </p:spPr>
+        <p:txBody>
+          <a:bodyPr wrap="none" rtlCol="0">
+            <a:spAutoFit/>
+          </a:bodyPr>
+          <a:lstStyle/>
+          <a:p>
+            <a:r>
+              <a:rPr lang="en-US" sz="1400" b="1" dirty="0" err="1" smtClean="0">
+                <a:solidFill>
+                  <a:schemeClr val="accent6">
+                    <a:lumMod val="75000"/>
+                  </a:schemeClr>
+                </a:solidFill>
+                <a:latin typeface="Cambria" panose="02040503050406030204" pitchFamily="18" charset="0"/>
+                <a:ea typeface="Cambria" panose="02040503050406030204" pitchFamily="18" charset="0"/>
+              </a:rPr>
+              <a:t>renderPlot</a:t>
+            </a:r>
+            <a:r>
+              <a:rPr lang="en-US" sz="1400" b="1" dirty="0" smtClean="0">
+                <a:solidFill>
+                  <a:schemeClr val="accent6">
+                    <a:lumMod val="75000"/>
+                  </a:schemeClr>
+                </a:solidFill>
+                <a:latin typeface="Cambria" panose="02040503050406030204" pitchFamily="18" charset="0"/>
+                <a:ea typeface="Cambria" panose="02040503050406030204" pitchFamily="18" charset="0"/>
+              </a:rPr>
+              <a:t>()</a:t>
+            </a:r>
+            <a:endParaRPr lang="en-US" sz="1400" i="1" dirty="0">
+              <a:solidFill>
+                <a:schemeClr val="accent6">
+                  <a:lumMod val="75000"/>
+                </a:schemeClr>
+              </a:solidFill>
+              <a:latin typeface="Cambria" panose="02040503050406030204" pitchFamily="18" charset="0"/>
+              <a:ea typeface="Cambria" panose="02040503050406030204" pitchFamily="18" charset="0"/>
+            </a:endParaRPr>
+          </a:p>
+        </p:txBody>
+      </p:sp>
+      <p:cxnSp>
+        <p:nvCxnSpPr>
+          <p:cNvPr id="61" name="Straight Arrow Connector 60"/>
+          <p:cNvCxnSpPr>
+            <a:endCxn id="60" idx="1"/>
+          </p:cNvCxnSpPr>
+          <p:nvPr/>
+        </p:nvCxnSpPr>
+        <p:spPr>
+          <a:xfrm>
+            <a:off x="5610649" y="3817027"/>
+            <a:ext cx="472397" cy="273866"/>
+          </a:xfrm>
+          <a:prstGeom prst="straightConnector1">
+            <a:avLst/>
+          </a:prstGeom>
+          <a:ln>
+            <a:tailEnd type="triangle"/>
+          </a:ln>
+        </p:spPr>
+        <p:style>
+          <a:lnRef idx="1">
+            <a:schemeClr val="dk1"/>
+          </a:lnRef>
+          <a:fillRef idx="0">
+            <a:schemeClr val="dk1"/>
+          </a:fillRef>
+          <a:effectRef idx="0">
+            <a:schemeClr val="dk1"/>
+          </a:effectRef>
+          <a:fontRef idx="minor">
+            <a:schemeClr val="tx1"/>
+          </a:fontRef>
+        </p:style>
+      </p:cxnSp>
+      <p:cxnSp>
+        <p:nvCxnSpPr>
+          <p:cNvPr id="62" name="Straight Arrow Connector 61"/>
+          <p:cNvCxnSpPr/>
+          <p:nvPr/>
+        </p:nvCxnSpPr>
+        <p:spPr>
+          <a:xfrm>
+            <a:off x="7197587" y="4364758"/>
+            <a:ext cx="255078" cy="378536"/>
+          </a:xfrm>
+          <a:prstGeom prst="straightConnector1">
+            <a:avLst/>
+          </a:prstGeom>
+          <a:ln>
+            <a:tailEnd type="triangle"/>
+          </a:ln>
+        </p:spPr>
+        <p:style>
+          <a:lnRef idx="1">
+            <a:schemeClr val="dk1"/>
+          </a:lnRef>
+          <a:fillRef idx="0">
+            <a:schemeClr val="dk1"/>
+          </a:fillRef>
+          <a:effectRef idx="0">
+            <a:schemeClr val="dk1"/>
+          </a:effectRef>
+          <a:fontRef idx="minor">
+            <a:schemeClr val="tx1"/>
+          </a:fontRef>
+        </p:style>
+      </p:cxnSp>
+      <p:cxnSp>
+        <p:nvCxnSpPr>
+          <p:cNvPr id="63" name="Straight Arrow Connector 62"/>
+          <p:cNvCxnSpPr/>
+          <p:nvPr/>
+        </p:nvCxnSpPr>
+        <p:spPr>
+          <a:xfrm flipV="1">
+            <a:off x="2014816" y="848449"/>
+            <a:ext cx="2399213" cy="46210"/>
+          </a:xfrm>
+          <a:prstGeom prst="straightConnector1">
+            <a:avLst/>
+          </a:prstGeom>
+          <a:ln>
+            <a:tailEnd type="triangle"/>
+          </a:ln>
+        </p:spPr>
+        <p:style>
+          <a:lnRef idx="1">
+            <a:schemeClr val="dk1"/>
+          </a:lnRef>
+          <a:fillRef idx="0">
+            <a:schemeClr val="dk1"/>
+          </a:fillRef>
+          <a:effectRef idx="0">
+            <a:schemeClr val="dk1"/>
+          </a:effectRef>
+          <a:fontRef idx="minor">
+            <a:schemeClr val="tx1"/>
+          </a:fontRef>
+        </p:style>
+      </p:cxnSp>
+      <p:cxnSp>
+        <p:nvCxnSpPr>
+          <p:cNvPr id="64" name="Straight Arrow Connector 63"/>
+          <p:cNvCxnSpPr>
+            <a:stCxn id="42" idx="2"/>
+          </p:cNvCxnSpPr>
+          <p:nvPr/>
+        </p:nvCxnSpPr>
+        <p:spPr>
+          <a:xfrm>
+            <a:off x="3913643" y="1985397"/>
+            <a:ext cx="500386" cy="1130202"/>
+          </a:xfrm>
+          <a:prstGeom prst="straightConnector1">
+            <a:avLst/>
+          </a:prstGeom>
+          <a:ln>
+            <a:tailEnd type="triangle"/>
+          </a:ln>
+        </p:spPr>
+        <p:style>
+          <a:lnRef idx="1">
+            <a:schemeClr val="dk1"/>
+          </a:lnRef>
+          <a:fillRef idx="0">
+            <a:schemeClr val="dk1"/>
+          </a:fillRef>
+          <a:effectRef idx="0">
+            <a:schemeClr val="dk1"/>
+          </a:effectRef>
+          <a:fontRef idx="minor">
+            <a:schemeClr val="tx1"/>
+          </a:fontRef>
+        </p:style>
+      </p:cxnSp>
+      <p:sp>
+        <p:nvSpPr>
+          <p:cNvPr id="67" name="Rectangle 66"/>
+          <p:cNvSpPr/>
+          <p:nvPr/>
+        </p:nvSpPr>
+        <p:spPr>
+          <a:xfrm>
+            <a:off x="2326636" y="3332151"/>
+            <a:ext cx="1091837" cy="523220"/>
+          </a:xfrm>
+          <a:prstGeom prst="rect">
+            <a:avLst/>
+          </a:prstGeom>
+          <a:noFill/>
+        </p:spPr>
+        <p:txBody>
+          <a:bodyPr wrap="none" rtlCol="0">
+            <a:spAutoFit/>
+          </a:bodyPr>
+          <a:lstStyle/>
+          <a:p>
+            <a:r>
+              <a:rPr lang="en-US" sz="1400" b="1" dirty="0" smtClean="0">
+                <a:solidFill>
+                  <a:srgbClr val="0070C0"/>
+                </a:solidFill>
+                <a:latin typeface="Cambria" panose="02040503050406030204" pitchFamily="18" charset="0"/>
+                <a:ea typeface="Cambria" panose="02040503050406030204" pitchFamily="18" charset="0"/>
+              </a:rPr>
+              <a:t>newEntry2</a:t>
+            </a:r>
+            <a:endParaRPr lang="en-US" sz="1400" i="1" dirty="0" smtClean="0">
+              <a:solidFill>
+                <a:srgbClr val="0070C0"/>
+              </a:solidFill>
+              <a:latin typeface="Cambria" panose="02040503050406030204" pitchFamily="18" charset="0"/>
+              <a:ea typeface="Cambria" panose="02040503050406030204" pitchFamily="18" charset="0"/>
+            </a:endParaRPr>
+          </a:p>
+          <a:p>
+            <a:r>
+              <a:rPr lang="en-US" sz="1400" i="1" dirty="0" smtClean="0">
+                <a:solidFill>
+                  <a:srgbClr val="0070C0"/>
+                </a:solidFill>
+                <a:latin typeface="Cambria" panose="02040503050406030204" pitchFamily="18" charset="0"/>
+                <a:ea typeface="Cambria" panose="02040503050406030204" pitchFamily="18" charset="0"/>
+              </a:rPr>
+              <a:t>observe</a:t>
+            </a:r>
+            <a:endParaRPr lang="en-US" sz="1400" i="1" dirty="0">
+              <a:solidFill>
+                <a:srgbClr val="0070C0"/>
+              </a:solidFill>
+              <a:latin typeface="Cambria" panose="02040503050406030204" pitchFamily="18" charset="0"/>
+              <a:ea typeface="Cambria" panose="02040503050406030204" pitchFamily="18" charset="0"/>
+            </a:endParaRPr>
+          </a:p>
+        </p:txBody>
+      </p:sp>
+      <p:cxnSp>
+        <p:nvCxnSpPr>
+          <p:cNvPr id="68" name="Straight Arrow Connector 67"/>
+          <p:cNvCxnSpPr/>
+          <p:nvPr/>
+        </p:nvCxnSpPr>
+        <p:spPr>
+          <a:xfrm flipV="1">
+            <a:off x="1917455" y="3593761"/>
+            <a:ext cx="398552" cy="74933"/>
+          </a:xfrm>
+          <a:prstGeom prst="straightConnector1">
+            <a:avLst/>
+          </a:prstGeom>
+          <a:ln>
+            <a:tailEnd type="triangle"/>
+          </a:ln>
+        </p:spPr>
+        <p:style>
+          <a:lnRef idx="1">
+            <a:schemeClr val="dk1"/>
+          </a:lnRef>
+          <a:fillRef idx="0">
+            <a:schemeClr val="dk1"/>
+          </a:fillRef>
+          <a:effectRef idx="0">
+            <a:schemeClr val="dk1"/>
+          </a:effectRef>
+          <a:fontRef idx="minor">
+            <a:schemeClr val="tx1"/>
+          </a:fontRef>
+        </p:style>
+      </p:cxnSp>
+      <p:cxnSp>
+        <p:nvCxnSpPr>
+          <p:cNvPr id="70" name="Straight Arrow Connector 69"/>
+          <p:cNvCxnSpPr>
+            <a:stCxn id="67" idx="3"/>
+            <a:endCxn id="39" idx="1"/>
+          </p:cNvCxnSpPr>
+          <p:nvPr/>
+        </p:nvCxnSpPr>
+        <p:spPr>
+          <a:xfrm flipV="1">
+            <a:off x="3418473" y="3564885"/>
+            <a:ext cx="451289" cy="28876"/>
+          </a:xfrm>
+          <a:prstGeom prst="straightConnector1">
+            <a:avLst/>
+          </a:prstGeom>
+          <a:ln>
+            <a:tailEnd type="triangle"/>
+          </a:ln>
+        </p:spPr>
+        <p:style>
+          <a:lnRef idx="1">
+            <a:schemeClr val="dk1"/>
+          </a:lnRef>
+          <a:fillRef idx="0">
+            <a:schemeClr val="dk1"/>
+          </a:fillRef>
+          <a:effectRef idx="0">
+            <a:schemeClr val="dk1"/>
+          </a:effectRef>
+          <a:fontRef idx="minor">
+            <a:schemeClr val="tx1"/>
+          </a:fontRef>
+        </p:style>
+      </p:cxnSp>
+      <p:cxnSp>
+        <p:nvCxnSpPr>
+          <p:cNvPr id="77" name="Straight Arrow Connector 76"/>
+          <p:cNvCxnSpPr/>
+          <p:nvPr/>
+        </p:nvCxnSpPr>
+        <p:spPr>
+          <a:xfrm flipH="1">
+            <a:off x="4414029" y="1188952"/>
+            <a:ext cx="233211" cy="296156"/>
+          </a:xfrm>
+          <a:prstGeom prst="straightConnector1">
+            <a:avLst/>
+          </a:prstGeom>
+          <a:ln>
+            <a:prstDash val="dash"/>
+            <a:tailEnd type="triangle"/>
+          </a:ln>
+        </p:spPr>
+        <p:style>
+          <a:lnRef idx="1">
+            <a:schemeClr val="dk1"/>
+          </a:lnRef>
+          <a:fillRef idx="0">
+            <a:schemeClr val="dk1"/>
+          </a:fillRef>
+          <a:effectRef idx="0">
+            <a:schemeClr val="dk1"/>
+          </a:effectRef>
+          <a:fontRef idx="minor">
+            <a:schemeClr val="tx1"/>
+          </a:fontRef>
+        </p:style>
+      </p:cxnSp>
+      <p:sp>
+        <p:nvSpPr>
+          <p:cNvPr id="2" name="TextBox 1"/>
+          <p:cNvSpPr txBox="1"/>
+          <p:nvPr/>
+        </p:nvSpPr>
+        <p:spPr>
+          <a:xfrm>
+            <a:off x="174857" y="140706"/>
+            <a:ext cx="2547300" cy="369332"/>
+          </a:xfrm>
+          <a:prstGeom prst="rect">
+            <a:avLst/>
+          </a:prstGeom>
+          <a:noFill/>
+        </p:spPr>
+        <p:txBody>
+          <a:bodyPr wrap="none" rtlCol="0">
+            <a:spAutoFit/>
+          </a:bodyPr>
+          <a:lstStyle/>
+          <a:p>
+            <a:r>
+              <a:rPr lang="en-US" b="1" dirty="0" smtClean="0"/>
+              <a:t>Reactivity Map - Original</a:t>
+            </a:r>
+            <a:endParaRPr lang="en-US" b="1" dirty="0"/>
+          </a:p>
+        </p:txBody>
+      </p:sp>
+    </p:spTree>
+    <p:extLst>
+      <p:ext uri="{BB962C8B-B14F-4D97-AF65-F5344CB8AC3E}">
+        <p14:creationId xmlns:p14="http://schemas.microsoft.com/office/powerpoint/2010/main" val="1027477458"/>
       </p:ext>
     </p:extLst>
   </p:cSld>
